--- a/pptx/chapter-15.pptx
+++ b/pptx/chapter-15.pptx
@@ -6,6 +6,7 @@
   </p:sldMasterIdLst>
   <p:sldIdLst>
     <p:sldId id="265" r:id="rId2"/>
+    <p:sldId id="266" r:id="rId3"/>
   </p:sldIdLst>
   <p:sldSz cx="9144000" cy="6858000" type="screen4x3"/>
   <p:notesSz cx="6858000" cy="9144000"/>
@@ -4565,6 +4566,1599 @@
 </p:sld>
 </file>
 
+<file path=ppt/slides/slide2.xml><?xml version="1.0" encoding="utf-8"?>
+<p:sld xmlns:a="http://schemas.openxmlformats.org/drawingml/2006/main" xmlns:r="http://schemas.openxmlformats.org/officeDocument/2006/relationships" xmlns:p="http://schemas.openxmlformats.org/presentationml/2006/main">
+  <p:cSld>
+    <p:spTree>
+      <p:nvGrpSpPr>
+        <p:cNvPr id="1" name=""/>
+        <p:cNvGrpSpPr/>
+        <p:nvPr/>
+      </p:nvGrpSpPr>
+      <p:grpSpPr>
+        <a:xfrm>
+          <a:off x="0" y="0"/>
+          <a:ext cx="0" cy="0"/>
+          <a:chOff x="0" y="0"/>
+          <a:chExt cx="0" cy="0"/>
+        </a:xfrm>
+      </p:grpSpPr>
+      <p:grpSp>
+        <p:nvGrpSpPr>
+          <p:cNvPr id="28" name="グループ化 27">
+            <a:extLst>
+              <a:ext uri="{FF2B5EF4-FFF2-40B4-BE49-F238E27FC236}">
+                <a16:creationId xmlns:a16="http://schemas.microsoft.com/office/drawing/2014/main" id="{42D1D04C-655B-47FF-A98F-0954D88DE302}"/>
+              </a:ext>
+            </a:extLst>
+          </p:cNvPr>
+          <p:cNvGrpSpPr/>
+          <p:nvPr/>
+        </p:nvGrpSpPr>
+        <p:grpSpPr>
+          <a:xfrm>
+            <a:off x="934046" y="404745"/>
+            <a:ext cx="6160865" cy="4690359"/>
+            <a:chOff x="934046" y="404745"/>
+            <a:chExt cx="6160865" cy="4690359"/>
+          </a:xfrm>
+        </p:grpSpPr>
+        <p:cxnSp>
+          <p:nvCxnSpPr>
+            <p:cNvPr id="3" name="直線コネクタ 2">
+              <a:extLst>
+                <a:ext uri="{FF2B5EF4-FFF2-40B4-BE49-F238E27FC236}">
+                  <a16:creationId xmlns:a16="http://schemas.microsoft.com/office/drawing/2014/main" id="{FD00448C-5501-4C6B-A401-600B1BE0FEF3}"/>
+                </a:ext>
+              </a:extLst>
+            </p:cNvPr>
+            <p:cNvCxnSpPr>
+              <a:cxnSpLocks/>
+            </p:cNvCxnSpPr>
+            <p:nvPr/>
+          </p:nvCxnSpPr>
+          <p:spPr>
+            <a:xfrm>
+              <a:off x="2199842" y="1608675"/>
+              <a:ext cx="4895069" cy="0"/>
+            </a:xfrm>
+            <a:prstGeom prst="line">
+              <a:avLst/>
+            </a:prstGeom>
+          </p:spPr>
+          <p:style>
+            <a:lnRef idx="1">
+              <a:schemeClr val="accent1"/>
+            </a:lnRef>
+            <a:fillRef idx="0">
+              <a:schemeClr val="accent1"/>
+            </a:fillRef>
+            <a:effectRef idx="0">
+              <a:schemeClr val="accent1"/>
+            </a:effectRef>
+            <a:fontRef idx="minor">
+              <a:schemeClr val="tx1"/>
+            </a:fontRef>
+          </p:style>
+        </p:cxnSp>
+        <p:sp>
+          <p:nvSpPr>
+            <p:cNvPr id="4" name="テキスト ボックス 3">
+              <a:extLst>
+                <a:ext uri="{FF2B5EF4-FFF2-40B4-BE49-F238E27FC236}">
+                  <a16:creationId xmlns:a16="http://schemas.microsoft.com/office/drawing/2014/main" id="{B25FBA0E-4990-4903-8B69-29BA86E48724}"/>
+                </a:ext>
+              </a:extLst>
+            </p:cNvPr>
+            <p:cNvSpPr txBox="1"/>
+            <p:nvPr/>
+          </p:nvSpPr>
+          <p:spPr>
+            <a:xfrm>
+              <a:off x="934046" y="1384075"/>
+              <a:ext cx="1068022" cy="449200"/>
+            </a:xfrm>
+            <a:prstGeom prst="rect">
+              <a:avLst/>
+            </a:prstGeom>
+            <a:noFill/>
+          </p:spPr>
+          <p:txBody>
+            <a:bodyPr wrap="none" rtlCol="0">
+              <a:spAutoFit/>
+            </a:bodyPr>
+            <a:lstStyle/>
+            <a:p>
+              <a:r>
+                <a:rPr kumimoji="1" lang="ja-JP" altLang="en-US" dirty="0"/>
+                <a:t>トランク</a:t>
+              </a:r>
+            </a:p>
+          </p:txBody>
+        </p:sp>
+        <p:sp>
+          <p:nvSpPr>
+            <p:cNvPr id="5" name="楕円 4">
+              <a:extLst>
+                <a:ext uri="{FF2B5EF4-FFF2-40B4-BE49-F238E27FC236}">
+                  <a16:creationId xmlns:a16="http://schemas.microsoft.com/office/drawing/2014/main" id="{27EDFB32-3C8B-438B-96FD-16D08AD5E641}"/>
+                </a:ext>
+              </a:extLst>
+            </p:cNvPr>
+            <p:cNvSpPr/>
+            <p:nvPr/>
+          </p:nvSpPr>
+          <p:spPr>
+            <a:xfrm>
+              <a:off x="2545958" y="1404613"/>
+              <a:ext cx="415312" cy="428504"/>
+            </a:xfrm>
+            <a:prstGeom prst="ellipse">
+              <a:avLst/>
+            </a:prstGeom>
+          </p:spPr>
+          <p:style>
+            <a:lnRef idx="2">
+              <a:schemeClr val="accent1">
+                <a:shade val="50000"/>
+              </a:schemeClr>
+            </a:lnRef>
+            <a:fillRef idx="1">
+              <a:schemeClr val="accent1"/>
+            </a:fillRef>
+            <a:effectRef idx="0">
+              <a:schemeClr val="accent1"/>
+            </a:effectRef>
+            <a:fontRef idx="minor">
+              <a:schemeClr val="lt1"/>
+            </a:fontRef>
+          </p:style>
+          <p:txBody>
+            <a:bodyPr rtlCol="0" anchor="ctr"/>
+            <a:lstStyle/>
+            <a:p>
+              <a:pPr algn="ctr"/>
+              <a:r>
+                <a:rPr kumimoji="1" lang="en-US" altLang="ja-JP" sz="800" dirty="0">
+                  <a:latin typeface="+mn-ea"/>
+                </a:rPr>
+                <a:t>1</a:t>
+              </a:r>
+              <a:endParaRPr kumimoji="1" lang="ja-JP" altLang="en-US" sz="800" dirty="0">
+                <a:latin typeface="+mn-ea"/>
+              </a:endParaRPr>
+            </a:p>
+          </p:txBody>
+        </p:sp>
+        <p:sp>
+          <p:nvSpPr>
+            <p:cNvPr id="6" name="楕円 5">
+              <a:extLst>
+                <a:ext uri="{FF2B5EF4-FFF2-40B4-BE49-F238E27FC236}">
+                  <a16:creationId xmlns:a16="http://schemas.microsoft.com/office/drawing/2014/main" id="{A978A2B4-02F6-4C9A-BA5F-DE0B90A9A49B}"/>
+                </a:ext>
+              </a:extLst>
+            </p:cNvPr>
+            <p:cNvSpPr/>
+            <p:nvPr/>
+          </p:nvSpPr>
+          <p:spPr>
+            <a:xfrm>
+              <a:off x="3159044" y="1404613"/>
+              <a:ext cx="415312" cy="428504"/>
+            </a:xfrm>
+            <a:prstGeom prst="ellipse">
+              <a:avLst/>
+            </a:prstGeom>
+          </p:spPr>
+          <p:style>
+            <a:lnRef idx="2">
+              <a:schemeClr val="accent1">
+                <a:shade val="50000"/>
+              </a:schemeClr>
+            </a:lnRef>
+            <a:fillRef idx="1">
+              <a:schemeClr val="accent1"/>
+            </a:fillRef>
+            <a:effectRef idx="0">
+              <a:schemeClr val="accent1"/>
+            </a:effectRef>
+            <a:fontRef idx="minor">
+              <a:schemeClr val="lt1"/>
+            </a:fontRef>
+          </p:style>
+          <p:txBody>
+            <a:bodyPr rtlCol="0" anchor="ctr"/>
+            <a:lstStyle/>
+            <a:p>
+              <a:pPr algn="ctr"/>
+              <a:r>
+                <a:rPr kumimoji="1" lang="en-US" altLang="ja-JP" sz="800" dirty="0">
+                  <a:latin typeface="+mn-ea"/>
+                </a:rPr>
+                <a:t>2</a:t>
+              </a:r>
+              <a:endParaRPr kumimoji="1" lang="ja-JP" altLang="en-US" sz="800" dirty="0">
+                <a:latin typeface="+mn-ea"/>
+              </a:endParaRPr>
+            </a:p>
+          </p:txBody>
+        </p:sp>
+        <p:cxnSp>
+          <p:nvCxnSpPr>
+            <p:cNvPr id="8" name="直線コネクタ 7">
+              <a:extLst>
+                <a:ext uri="{FF2B5EF4-FFF2-40B4-BE49-F238E27FC236}">
+                  <a16:creationId xmlns:a16="http://schemas.microsoft.com/office/drawing/2014/main" id="{0D334BA3-DA27-4830-A750-0BAECFF5D499}"/>
+                </a:ext>
+              </a:extLst>
+            </p:cNvPr>
+            <p:cNvCxnSpPr>
+              <a:cxnSpLocks/>
+            </p:cNvCxnSpPr>
+            <p:nvPr/>
+          </p:nvCxnSpPr>
+          <p:spPr>
+            <a:xfrm>
+              <a:off x="3782012" y="2693369"/>
+              <a:ext cx="3312898" cy="0"/>
+            </a:xfrm>
+            <a:prstGeom prst="line">
+              <a:avLst/>
+            </a:prstGeom>
+          </p:spPr>
+          <p:style>
+            <a:lnRef idx="1">
+              <a:schemeClr val="accent1"/>
+            </a:lnRef>
+            <a:fillRef idx="0">
+              <a:schemeClr val="accent1"/>
+            </a:fillRef>
+            <a:effectRef idx="0">
+              <a:schemeClr val="accent1"/>
+            </a:effectRef>
+            <a:fontRef idx="minor">
+              <a:schemeClr val="tx1"/>
+            </a:fontRef>
+          </p:style>
+        </p:cxnSp>
+        <p:sp>
+          <p:nvSpPr>
+            <p:cNvPr id="9" name="テキスト ボックス 8">
+              <a:extLst>
+                <a:ext uri="{FF2B5EF4-FFF2-40B4-BE49-F238E27FC236}">
+                  <a16:creationId xmlns:a16="http://schemas.microsoft.com/office/drawing/2014/main" id="{0A89AACF-C72A-4422-A63D-91884E0753FF}"/>
+                </a:ext>
+              </a:extLst>
+            </p:cNvPr>
+            <p:cNvSpPr txBox="1"/>
+            <p:nvPr/>
+          </p:nvSpPr>
+          <p:spPr>
+            <a:xfrm>
+              <a:off x="1479761" y="2478667"/>
+              <a:ext cx="2010487" cy="369332"/>
+            </a:xfrm>
+            <a:prstGeom prst="rect">
+              <a:avLst/>
+            </a:prstGeom>
+            <a:noFill/>
+          </p:spPr>
+          <p:txBody>
+            <a:bodyPr wrap="none" rtlCol="0">
+              <a:spAutoFit/>
+            </a:bodyPr>
+            <a:lstStyle/>
+            <a:p>
+              <a:r>
+                <a:rPr kumimoji="1" lang="ja-JP" altLang="en-US" dirty="0"/>
+                <a:t>バグ修正ブランチ</a:t>
+              </a:r>
+              <a:r>
+                <a:rPr kumimoji="1" lang="en-US" altLang="ja-JP" dirty="0"/>
+                <a:t>1</a:t>
+              </a:r>
+              <a:endParaRPr kumimoji="1" lang="ja-JP" altLang="en-US" dirty="0"/>
+            </a:p>
+          </p:txBody>
+        </p:sp>
+        <p:cxnSp>
+          <p:nvCxnSpPr>
+            <p:cNvPr id="11" name="直線矢印コネクタ 10">
+              <a:extLst>
+                <a:ext uri="{FF2B5EF4-FFF2-40B4-BE49-F238E27FC236}">
+                  <a16:creationId xmlns:a16="http://schemas.microsoft.com/office/drawing/2014/main" id="{E4134C78-D3BE-4411-95D3-843BE8B3C861}"/>
+                </a:ext>
+              </a:extLst>
+            </p:cNvPr>
+            <p:cNvCxnSpPr>
+              <a:cxnSpLocks/>
+              <a:stCxn id="6" idx="4"/>
+              <a:endCxn id="12" idx="1"/>
+            </p:cNvCxnSpPr>
+            <p:nvPr/>
+          </p:nvCxnSpPr>
+          <p:spPr>
+            <a:xfrm>
+              <a:off x="3366701" y="1833116"/>
+              <a:ext cx="268476" cy="698405"/>
+            </a:xfrm>
+            <a:prstGeom prst="straightConnector1">
+              <a:avLst/>
+            </a:prstGeom>
+            <a:ln>
+              <a:tailEnd type="triangle"/>
+            </a:ln>
+          </p:spPr>
+          <p:style>
+            <a:lnRef idx="1">
+              <a:schemeClr val="accent1"/>
+            </a:lnRef>
+            <a:fillRef idx="0">
+              <a:schemeClr val="accent1"/>
+            </a:fillRef>
+            <a:effectRef idx="0">
+              <a:schemeClr val="accent1"/>
+            </a:effectRef>
+            <a:fontRef idx="minor">
+              <a:schemeClr val="tx1"/>
+            </a:fontRef>
+          </p:style>
+        </p:cxnSp>
+        <p:sp>
+          <p:nvSpPr>
+            <p:cNvPr id="12" name="楕円 11">
+              <a:extLst>
+                <a:ext uri="{FF2B5EF4-FFF2-40B4-BE49-F238E27FC236}">
+                  <a16:creationId xmlns:a16="http://schemas.microsoft.com/office/drawing/2014/main" id="{45480E66-B748-4719-99B4-767B4958EC4B}"/>
+                </a:ext>
+              </a:extLst>
+            </p:cNvPr>
+            <p:cNvSpPr/>
+            <p:nvPr/>
+          </p:nvSpPr>
+          <p:spPr>
+            <a:xfrm>
+              <a:off x="3574356" y="2468769"/>
+              <a:ext cx="415312" cy="428504"/>
+            </a:xfrm>
+            <a:prstGeom prst="ellipse">
+              <a:avLst/>
+            </a:prstGeom>
+          </p:spPr>
+          <p:style>
+            <a:lnRef idx="2">
+              <a:schemeClr val="accent4">
+                <a:shade val="50000"/>
+              </a:schemeClr>
+            </a:lnRef>
+            <a:fillRef idx="1">
+              <a:schemeClr val="accent4"/>
+            </a:fillRef>
+            <a:effectRef idx="0">
+              <a:schemeClr val="accent4"/>
+            </a:effectRef>
+            <a:fontRef idx="minor">
+              <a:schemeClr val="lt1"/>
+            </a:fontRef>
+          </p:style>
+          <p:txBody>
+            <a:bodyPr rtlCol="0" anchor="ctr"/>
+            <a:lstStyle/>
+            <a:p>
+              <a:pPr algn="ctr"/>
+              <a:r>
+                <a:rPr kumimoji="1" lang="en-US" altLang="ja-JP" sz="800" dirty="0">
+                  <a:latin typeface="+mn-ea"/>
+                </a:rPr>
+                <a:t>3</a:t>
+              </a:r>
+              <a:endParaRPr kumimoji="1" lang="ja-JP" altLang="en-US" sz="800" dirty="0">
+                <a:latin typeface="+mn-ea"/>
+              </a:endParaRPr>
+            </a:p>
+          </p:txBody>
+        </p:sp>
+        <p:sp>
+          <p:nvSpPr>
+            <p:cNvPr id="18" name="楕円 17">
+              <a:extLst>
+                <a:ext uri="{FF2B5EF4-FFF2-40B4-BE49-F238E27FC236}">
+                  <a16:creationId xmlns:a16="http://schemas.microsoft.com/office/drawing/2014/main" id="{389E0A11-E0E5-4DA1-94E8-372C5E8EE7AC}"/>
+                </a:ext>
+              </a:extLst>
+            </p:cNvPr>
+            <p:cNvSpPr/>
+            <p:nvPr/>
+          </p:nvSpPr>
+          <p:spPr>
+            <a:xfrm>
+              <a:off x="4177865" y="2479117"/>
+              <a:ext cx="415312" cy="428504"/>
+            </a:xfrm>
+            <a:prstGeom prst="ellipse">
+              <a:avLst/>
+            </a:prstGeom>
+            <a:solidFill>
+              <a:schemeClr val="accent4">
+                <a:lumMod val="75000"/>
+              </a:schemeClr>
+            </a:solidFill>
+            <a:ln>
+              <a:solidFill>
+                <a:schemeClr val="accent4">
+                  <a:lumMod val="50000"/>
+                </a:schemeClr>
+              </a:solidFill>
+            </a:ln>
+          </p:spPr>
+          <p:style>
+            <a:lnRef idx="2">
+              <a:schemeClr val="accent6">
+                <a:shade val="50000"/>
+              </a:schemeClr>
+            </a:lnRef>
+            <a:fillRef idx="1">
+              <a:schemeClr val="accent6"/>
+            </a:fillRef>
+            <a:effectRef idx="0">
+              <a:schemeClr val="accent6"/>
+            </a:effectRef>
+            <a:fontRef idx="minor">
+              <a:schemeClr val="lt1"/>
+            </a:fontRef>
+          </p:style>
+          <p:txBody>
+            <a:bodyPr rtlCol="0" anchor="ctr"/>
+            <a:lstStyle/>
+            <a:p>
+              <a:pPr algn="ctr"/>
+              <a:r>
+                <a:rPr kumimoji="1" lang="en-US" altLang="ja-JP" sz="800" dirty="0">
+                  <a:latin typeface="+mn-ea"/>
+                </a:rPr>
+                <a:t>5</a:t>
+              </a:r>
+              <a:endParaRPr kumimoji="1" lang="ja-JP" altLang="en-US" sz="800" dirty="0">
+                <a:latin typeface="+mn-ea"/>
+              </a:endParaRPr>
+            </a:p>
+          </p:txBody>
+        </p:sp>
+        <p:sp>
+          <p:nvSpPr>
+            <p:cNvPr id="20" name="楕円 19">
+              <a:extLst>
+                <a:ext uri="{FF2B5EF4-FFF2-40B4-BE49-F238E27FC236}">
+                  <a16:creationId xmlns:a16="http://schemas.microsoft.com/office/drawing/2014/main" id="{C5F399B4-6AC1-47E6-8738-89D4C3C77AF5}"/>
+                </a:ext>
+              </a:extLst>
+            </p:cNvPr>
+            <p:cNvSpPr/>
+            <p:nvPr/>
+          </p:nvSpPr>
+          <p:spPr>
+            <a:xfrm>
+              <a:off x="4494125" y="1404613"/>
+              <a:ext cx="415312" cy="428504"/>
+            </a:xfrm>
+            <a:prstGeom prst="ellipse">
+              <a:avLst/>
+            </a:prstGeom>
+          </p:spPr>
+          <p:style>
+            <a:lnRef idx="2">
+              <a:schemeClr val="accent1">
+                <a:shade val="50000"/>
+              </a:schemeClr>
+            </a:lnRef>
+            <a:fillRef idx="1">
+              <a:schemeClr val="accent1"/>
+            </a:fillRef>
+            <a:effectRef idx="0">
+              <a:schemeClr val="accent1"/>
+            </a:effectRef>
+            <a:fontRef idx="minor">
+              <a:schemeClr val="lt1"/>
+            </a:fontRef>
+          </p:style>
+          <p:txBody>
+            <a:bodyPr rtlCol="0" anchor="ctr"/>
+            <a:lstStyle/>
+            <a:p>
+              <a:pPr algn="ctr"/>
+              <a:r>
+                <a:rPr kumimoji="1" lang="en-US" altLang="ja-JP" sz="800" dirty="0">
+                  <a:latin typeface="+mn-ea"/>
+                </a:rPr>
+                <a:t>6</a:t>
+              </a:r>
+              <a:endParaRPr kumimoji="1" lang="ja-JP" altLang="en-US" sz="800" dirty="0">
+                <a:latin typeface="+mn-ea"/>
+              </a:endParaRPr>
+            </a:p>
+          </p:txBody>
+        </p:sp>
+        <p:sp>
+          <p:nvSpPr>
+            <p:cNvPr id="21" name="楕円 20">
+              <a:extLst>
+                <a:ext uri="{FF2B5EF4-FFF2-40B4-BE49-F238E27FC236}">
+                  <a16:creationId xmlns:a16="http://schemas.microsoft.com/office/drawing/2014/main" id="{FCF0B23B-031E-46C5-9598-B086126419BB}"/>
+                </a:ext>
+              </a:extLst>
+            </p:cNvPr>
+            <p:cNvSpPr/>
+            <p:nvPr/>
+          </p:nvSpPr>
+          <p:spPr>
+            <a:xfrm>
+              <a:off x="5367605" y="1423325"/>
+              <a:ext cx="415312" cy="428504"/>
+            </a:xfrm>
+            <a:prstGeom prst="ellipse">
+              <a:avLst/>
+            </a:prstGeom>
+          </p:spPr>
+          <p:style>
+            <a:lnRef idx="2">
+              <a:schemeClr val="accent1">
+                <a:shade val="50000"/>
+              </a:schemeClr>
+            </a:lnRef>
+            <a:fillRef idx="1">
+              <a:schemeClr val="accent1"/>
+            </a:fillRef>
+            <a:effectRef idx="0">
+              <a:schemeClr val="accent1"/>
+            </a:effectRef>
+            <a:fontRef idx="minor">
+              <a:schemeClr val="lt1"/>
+            </a:fontRef>
+          </p:style>
+          <p:txBody>
+            <a:bodyPr rtlCol="0" anchor="ctr"/>
+            <a:lstStyle/>
+            <a:p>
+              <a:pPr algn="ctr"/>
+              <a:r>
+                <a:rPr kumimoji="1" lang="en-US" altLang="ja-JP" sz="800" dirty="0">
+                  <a:latin typeface="+mn-ea"/>
+                </a:rPr>
+                <a:t>9</a:t>
+              </a:r>
+              <a:endParaRPr kumimoji="1" lang="ja-JP" altLang="en-US" sz="800" dirty="0">
+                <a:latin typeface="+mn-ea"/>
+              </a:endParaRPr>
+            </a:p>
+          </p:txBody>
+        </p:sp>
+        <p:sp>
+          <p:nvSpPr>
+            <p:cNvPr id="22" name="楕円 21">
+              <a:extLst>
+                <a:ext uri="{FF2B5EF4-FFF2-40B4-BE49-F238E27FC236}">
+                  <a16:creationId xmlns:a16="http://schemas.microsoft.com/office/drawing/2014/main" id="{BFA339E7-9FB2-4624-BEEB-52F11997386F}"/>
+                </a:ext>
+              </a:extLst>
+            </p:cNvPr>
+            <p:cNvSpPr/>
+            <p:nvPr/>
+          </p:nvSpPr>
+          <p:spPr>
+            <a:xfrm>
+              <a:off x="5556649" y="2468768"/>
+              <a:ext cx="415312" cy="428504"/>
+            </a:xfrm>
+            <a:prstGeom prst="ellipse">
+              <a:avLst/>
+            </a:prstGeom>
+          </p:spPr>
+          <p:style>
+            <a:lnRef idx="2">
+              <a:schemeClr val="accent4">
+                <a:shade val="50000"/>
+              </a:schemeClr>
+            </a:lnRef>
+            <a:fillRef idx="1">
+              <a:schemeClr val="accent4"/>
+            </a:fillRef>
+            <a:effectRef idx="0">
+              <a:schemeClr val="accent4"/>
+            </a:effectRef>
+            <a:fontRef idx="minor">
+              <a:schemeClr val="lt1"/>
+            </a:fontRef>
+          </p:style>
+          <p:txBody>
+            <a:bodyPr rtlCol="0" anchor="ctr"/>
+            <a:lstStyle/>
+            <a:p>
+              <a:pPr algn="ctr"/>
+              <a:r>
+                <a:rPr kumimoji="1" lang="en-US" altLang="ja-JP" sz="800" dirty="0">
+                  <a:latin typeface="+mn-ea"/>
+                </a:rPr>
+                <a:t>10</a:t>
+              </a:r>
+              <a:endParaRPr kumimoji="1" lang="ja-JP" altLang="en-US" sz="800" dirty="0">
+                <a:latin typeface="+mn-ea"/>
+              </a:endParaRPr>
+            </a:p>
+          </p:txBody>
+        </p:sp>
+        <p:sp>
+          <p:nvSpPr>
+            <p:cNvPr id="32" name="テキスト ボックス 31">
+              <a:extLst>
+                <a:ext uri="{FF2B5EF4-FFF2-40B4-BE49-F238E27FC236}">
+                  <a16:creationId xmlns:a16="http://schemas.microsoft.com/office/drawing/2014/main" id="{CA9F65F6-76C3-45EF-9313-64AA6C0EEFF0}"/>
+                </a:ext>
+              </a:extLst>
+            </p:cNvPr>
+            <p:cNvSpPr txBox="1"/>
+            <p:nvPr/>
+          </p:nvSpPr>
+          <p:spPr>
+            <a:xfrm>
+              <a:off x="3635177" y="4173134"/>
+              <a:ext cx="1271502" cy="369332"/>
+            </a:xfrm>
+            <a:prstGeom prst="rect">
+              <a:avLst/>
+            </a:prstGeom>
+            <a:noFill/>
+          </p:spPr>
+          <p:txBody>
+            <a:bodyPr wrap="none" rtlCol="0">
+              <a:spAutoFit/>
+            </a:bodyPr>
+            <a:lstStyle/>
+            <a:p>
+              <a:r>
+                <a:rPr kumimoji="1" lang="ja-JP" altLang="en-US" dirty="0"/>
+                <a:t>修正前タグ</a:t>
+              </a:r>
+            </a:p>
+          </p:txBody>
+        </p:sp>
+        <p:sp>
+          <p:nvSpPr>
+            <p:cNvPr id="33" name="楕円 32">
+              <a:extLst>
+                <a:ext uri="{FF2B5EF4-FFF2-40B4-BE49-F238E27FC236}">
+                  <a16:creationId xmlns:a16="http://schemas.microsoft.com/office/drawing/2014/main" id="{6A4C78A4-D322-4F34-8E6C-B38EE0706C4C}"/>
+                </a:ext>
+              </a:extLst>
+            </p:cNvPr>
+            <p:cNvSpPr/>
+            <p:nvPr/>
+          </p:nvSpPr>
+          <p:spPr>
+            <a:xfrm>
+              <a:off x="4067684" y="3679986"/>
+              <a:ext cx="415312" cy="428504"/>
+            </a:xfrm>
+            <a:prstGeom prst="ellipse">
+              <a:avLst/>
+            </a:prstGeom>
+            <a:solidFill>
+              <a:schemeClr val="tx1">
+                <a:lumMod val="50000"/>
+                <a:lumOff val="50000"/>
+              </a:schemeClr>
+            </a:solidFill>
+          </p:spPr>
+          <p:style>
+            <a:lnRef idx="2">
+              <a:schemeClr val="dk1">
+                <a:shade val="50000"/>
+              </a:schemeClr>
+            </a:lnRef>
+            <a:fillRef idx="1">
+              <a:schemeClr val="dk1"/>
+            </a:fillRef>
+            <a:effectRef idx="0">
+              <a:schemeClr val="dk1"/>
+            </a:effectRef>
+            <a:fontRef idx="minor">
+              <a:schemeClr val="lt1"/>
+            </a:fontRef>
+          </p:style>
+          <p:txBody>
+            <a:bodyPr rtlCol="0" anchor="ctr"/>
+            <a:lstStyle/>
+            <a:p>
+              <a:pPr algn="ctr"/>
+              <a:r>
+                <a:rPr lang="en-US" altLang="ja-JP" sz="800" dirty="0">
+                  <a:latin typeface="+mn-ea"/>
+                </a:rPr>
+                <a:t>4</a:t>
+              </a:r>
+              <a:endParaRPr kumimoji="1" lang="ja-JP" altLang="en-US" sz="800" dirty="0">
+                <a:latin typeface="+mn-ea"/>
+              </a:endParaRPr>
+            </a:p>
+          </p:txBody>
+        </p:sp>
+        <p:cxnSp>
+          <p:nvCxnSpPr>
+            <p:cNvPr id="37" name="直線矢印コネクタ 36">
+              <a:extLst>
+                <a:ext uri="{FF2B5EF4-FFF2-40B4-BE49-F238E27FC236}">
+                  <a16:creationId xmlns:a16="http://schemas.microsoft.com/office/drawing/2014/main" id="{4727D796-67B8-4D2E-A877-239AE8615D11}"/>
+                </a:ext>
+              </a:extLst>
+            </p:cNvPr>
+            <p:cNvCxnSpPr>
+              <a:cxnSpLocks/>
+              <a:stCxn id="12" idx="4"/>
+              <a:endCxn id="33" idx="1"/>
+            </p:cNvCxnSpPr>
+            <p:nvPr/>
+          </p:nvCxnSpPr>
+          <p:spPr>
+            <a:xfrm>
+              <a:off x="3782012" y="2897273"/>
+              <a:ext cx="346493" cy="845466"/>
+            </a:xfrm>
+            <a:prstGeom prst="straightConnector1">
+              <a:avLst/>
+            </a:prstGeom>
+            <a:ln>
+              <a:tailEnd type="triangle"/>
+            </a:ln>
+          </p:spPr>
+          <p:style>
+            <a:lnRef idx="1">
+              <a:schemeClr val="accent1"/>
+            </a:lnRef>
+            <a:fillRef idx="0">
+              <a:schemeClr val="accent1"/>
+            </a:fillRef>
+            <a:effectRef idx="0">
+              <a:schemeClr val="accent1"/>
+            </a:effectRef>
+            <a:fontRef idx="minor">
+              <a:schemeClr val="tx1"/>
+            </a:fontRef>
+          </p:style>
+        </p:cxnSp>
+        <p:sp>
+          <p:nvSpPr>
+            <p:cNvPr id="39" name="楕円 38">
+              <a:extLst>
+                <a:ext uri="{FF2B5EF4-FFF2-40B4-BE49-F238E27FC236}">
+                  <a16:creationId xmlns:a16="http://schemas.microsoft.com/office/drawing/2014/main" id="{2020ADF7-A2D5-461A-9EB9-07EBCDA8EB11}"/>
+                </a:ext>
+              </a:extLst>
+            </p:cNvPr>
+            <p:cNvSpPr/>
+            <p:nvPr/>
+          </p:nvSpPr>
+          <p:spPr>
+            <a:xfrm>
+              <a:off x="6115403" y="1423326"/>
+              <a:ext cx="415312" cy="428504"/>
+            </a:xfrm>
+            <a:prstGeom prst="ellipse">
+              <a:avLst/>
+            </a:prstGeom>
+          </p:spPr>
+          <p:style>
+            <a:lnRef idx="2">
+              <a:schemeClr val="accent1">
+                <a:shade val="50000"/>
+              </a:schemeClr>
+            </a:lnRef>
+            <a:fillRef idx="1">
+              <a:schemeClr val="accent1"/>
+            </a:fillRef>
+            <a:effectRef idx="0">
+              <a:schemeClr val="accent1"/>
+            </a:effectRef>
+            <a:fontRef idx="minor">
+              <a:schemeClr val="lt1"/>
+            </a:fontRef>
+          </p:style>
+          <p:txBody>
+            <a:bodyPr rtlCol="0" anchor="ctr"/>
+            <a:lstStyle/>
+            <a:p>
+              <a:pPr algn="ctr"/>
+              <a:r>
+                <a:rPr kumimoji="1" lang="en-US" altLang="ja-JP" sz="800" dirty="0">
+                  <a:latin typeface="+mn-ea"/>
+                </a:rPr>
+                <a:t>12</a:t>
+              </a:r>
+              <a:endParaRPr kumimoji="1" lang="ja-JP" altLang="en-US" sz="800" dirty="0">
+                <a:latin typeface="+mn-ea"/>
+              </a:endParaRPr>
+            </a:p>
+          </p:txBody>
+        </p:sp>
+        <p:sp>
+          <p:nvSpPr>
+            <p:cNvPr id="40" name="テキスト ボックス 39">
+              <a:extLst>
+                <a:ext uri="{FF2B5EF4-FFF2-40B4-BE49-F238E27FC236}">
+                  <a16:creationId xmlns:a16="http://schemas.microsoft.com/office/drawing/2014/main" id="{1CEDC6D7-EA94-4A00-8C73-E0A26B487F32}"/>
+                </a:ext>
+              </a:extLst>
+            </p:cNvPr>
+            <p:cNvSpPr txBox="1"/>
+            <p:nvPr/>
+          </p:nvSpPr>
+          <p:spPr>
+            <a:xfrm>
+              <a:off x="3041488" y="2023227"/>
+              <a:ext cx="740524" cy="318183"/>
+            </a:xfrm>
+            <a:prstGeom prst="rect">
+              <a:avLst/>
+            </a:prstGeom>
+          </p:spPr>
+          <p:style>
+            <a:lnRef idx="2">
+              <a:schemeClr val="dk1"/>
+            </a:lnRef>
+            <a:fillRef idx="1">
+              <a:schemeClr val="lt1"/>
+            </a:fillRef>
+            <a:effectRef idx="0">
+              <a:schemeClr val="dk1"/>
+            </a:effectRef>
+            <a:fontRef idx="minor">
+              <a:schemeClr val="dk1"/>
+            </a:fontRef>
+          </p:style>
+          <p:txBody>
+            <a:bodyPr wrap="square" rtlCol="0" anchor="ctr">
+              <a:spAutoFit/>
+            </a:bodyPr>
+            <a:lstStyle/>
+            <a:p>
+              <a:pPr algn="ctr"/>
+              <a:r>
+                <a:rPr lang="ja-JP" altLang="en-US" sz="1100" dirty="0"/>
+                <a:t>コピー</a:t>
+              </a:r>
+              <a:endParaRPr kumimoji="1" lang="ja-JP" altLang="en-US" sz="1100" dirty="0"/>
+            </a:p>
+          </p:txBody>
+        </p:sp>
+        <p:sp>
+          <p:nvSpPr>
+            <p:cNvPr id="41" name="テキスト ボックス 40">
+              <a:extLst>
+                <a:ext uri="{FF2B5EF4-FFF2-40B4-BE49-F238E27FC236}">
+                  <a16:creationId xmlns:a16="http://schemas.microsoft.com/office/drawing/2014/main" id="{D89B0381-9FDC-49E7-A080-1195188F85E7}"/>
+                </a:ext>
+              </a:extLst>
+            </p:cNvPr>
+            <p:cNvSpPr txBox="1"/>
+            <p:nvPr/>
+          </p:nvSpPr>
+          <p:spPr>
+            <a:xfrm>
+              <a:off x="3574356" y="3086504"/>
+              <a:ext cx="740524" cy="318183"/>
+            </a:xfrm>
+            <a:prstGeom prst="rect">
+              <a:avLst/>
+            </a:prstGeom>
+          </p:spPr>
+          <p:style>
+            <a:lnRef idx="2">
+              <a:schemeClr val="dk1"/>
+            </a:lnRef>
+            <a:fillRef idx="1">
+              <a:schemeClr val="lt1"/>
+            </a:fillRef>
+            <a:effectRef idx="0">
+              <a:schemeClr val="dk1"/>
+            </a:effectRef>
+            <a:fontRef idx="minor">
+              <a:schemeClr val="dk1"/>
+            </a:fontRef>
+          </p:style>
+          <p:txBody>
+            <a:bodyPr wrap="square" rtlCol="0" anchor="ctr">
+              <a:spAutoFit/>
+            </a:bodyPr>
+            <a:lstStyle/>
+            <a:p>
+              <a:pPr algn="ctr"/>
+              <a:r>
+                <a:rPr lang="ja-JP" altLang="en-US" sz="1100" dirty="0"/>
+                <a:t>コピー</a:t>
+              </a:r>
+              <a:endParaRPr kumimoji="1" lang="ja-JP" altLang="en-US" sz="1100" dirty="0"/>
+            </a:p>
+          </p:txBody>
+        </p:sp>
+        <p:cxnSp>
+          <p:nvCxnSpPr>
+            <p:cNvPr id="26" name="直線矢印コネクタ 25">
+              <a:extLst>
+                <a:ext uri="{FF2B5EF4-FFF2-40B4-BE49-F238E27FC236}">
+                  <a16:creationId xmlns:a16="http://schemas.microsoft.com/office/drawing/2014/main" id="{BCDDFD2C-CFD5-4801-9DFA-77760F4982F7}"/>
+                </a:ext>
+              </a:extLst>
+            </p:cNvPr>
+            <p:cNvCxnSpPr>
+              <a:cxnSpLocks/>
+              <a:stCxn id="22" idx="0"/>
+              <a:endCxn id="39" idx="3"/>
+            </p:cNvCxnSpPr>
+            <p:nvPr/>
+          </p:nvCxnSpPr>
+          <p:spPr>
+            <a:xfrm flipV="1">
+              <a:off x="5764305" y="1789077"/>
+              <a:ext cx="411919" cy="679691"/>
+            </a:xfrm>
+            <a:prstGeom prst="straightConnector1">
+              <a:avLst/>
+            </a:prstGeom>
+            <a:ln>
+              <a:tailEnd type="triangle"/>
+            </a:ln>
+          </p:spPr>
+          <p:style>
+            <a:lnRef idx="1">
+              <a:schemeClr val="accent1"/>
+            </a:lnRef>
+            <a:fillRef idx="0">
+              <a:schemeClr val="accent1"/>
+            </a:fillRef>
+            <a:effectRef idx="0">
+              <a:schemeClr val="accent1"/>
+            </a:effectRef>
+            <a:fontRef idx="minor">
+              <a:schemeClr val="tx1"/>
+            </a:fontRef>
+          </p:style>
+        </p:cxnSp>
+        <p:sp>
+          <p:nvSpPr>
+            <p:cNvPr id="31" name="テキスト ボックス 30">
+              <a:extLst>
+                <a:ext uri="{FF2B5EF4-FFF2-40B4-BE49-F238E27FC236}">
+                  <a16:creationId xmlns:a16="http://schemas.microsoft.com/office/drawing/2014/main" id="{71A322EB-2B50-475A-86FD-B280B2F2F45C}"/>
+                </a:ext>
+              </a:extLst>
+            </p:cNvPr>
+            <p:cNvSpPr txBox="1"/>
+            <p:nvPr/>
+          </p:nvSpPr>
+          <p:spPr>
+            <a:xfrm>
+              <a:off x="5534380" y="2023227"/>
+              <a:ext cx="740524" cy="318183"/>
+            </a:xfrm>
+            <a:prstGeom prst="rect">
+              <a:avLst/>
+            </a:prstGeom>
+          </p:spPr>
+          <p:style>
+            <a:lnRef idx="2">
+              <a:schemeClr val="dk1"/>
+            </a:lnRef>
+            <a:fillRef idx="1">
+              <a:schemeClr val="lt1"/>
+            </a:fillRef>
+            <a:effectRef idx="0">
+              <a:schemeClr val="dk1"/>
+            </a:effectRef>
+            <a:fontRef idx="minor">
+              <a:schemeClr val="dk1"/>
+            </a:fontRef>
+          </p:style>
+          <p:txBody>
+            <a:bodyPr wrap="square" rtlCol="0" anchor="ctr">
+              <a:spAutoFit/>
+            </a:bodyPr>
+            <a:lstStyle/>
+            <a:p>
+              <a:pPr algn="ctr"/>
+              <a:r>
+                <a:rPr lang="ja-JP" altLang="en-US" sz="1100" dirty="0"/>
+                <a:t>マージ</a:t>
+              </a:r>
+              <a:endParaRPr kumimoji="1" lang="ja-JP" altLang="en-US" sz="1100" dirty="0"/>
+            </a:p>
+          </p:txBody>
+        </p:sp>
+        <p:sp>
+          <p:nvSpPr>
+            <p:cNvPr id="43" name="テキスト ボックス 42">
+              <a:extLst>
+                <a:ext uri="{FF2B5EF4-FFF2-40B4-BE49-F238E27FC236}">
+                  <a16:creationId xmlns:a16="http://schemas.microsoft.com/office/drawing/2014/main" id="{1956EAD5-A4B6-4AAA-929E-F8EC64269B97}"/>
+                </a:ext>
+              </a:extLst>
+            </p:cNvPr>
+            <p:cNvSpPr txBox="1"/>
+            <p:nvPr/>
+          </p:nvSpPr>
+          <p:spPr>
+            <a:xfrm>
+              <a:off x="5617470" y="4173134"/>
+              <a:ext cx="1271502" cy="369332"/>
+            </a:xfrm>
+            <a:prstGeom prst="rect">
+              <a:avLst/>
+            </a:prstGeom>
+            <a:noFill/>
+          </p:spPr>
+          <p:txBody>
+            <a:bodyPr wrap="none" rtlCol="0">
+              <a:spAutoFit/>
+            </a:bodyPr>
+            <a:lstStyle/>
+            <a:p>
+              <a:r>
+                <a:rPr kumimoji="1" lang="ja-JP" altLang="en-US" dirty="0"/>
+                <a:t>修正後タグ</a:t>
+              </a:r>
+            </a:p>
+          </p:txBody>
+        </p:sp>
+        <p:sp>
+          <p:nvSpPr>
+            <p:cNvPr id="44" name="楕円 43">
+              <a:extLst>
+                <a:ext uri="{FF2B5EF4-FFF2-40B4-BE49-F238E27FC236}">
+                  <a16:creationId xmlns:a16="http://schemas.microsoft.com/office/drawing/2014/main" id="{2461310D-C989-45F2-9147-3DA7F2768324}"/>
+                </a:ext>
+              </a:extLst>
+            </p:cNvPr>
+            <p:cNvSpPr/>
+            <p:nvPr/>
+          </p:nvSpPr>
+          <p:spPr>
+            <a:xfrm>
+              <a:off x="5984159" y="3679986"/>
+              <a:ext cx="415312" cy="428504"/>
+            </a:xfrm>
+            <a:prstGeom prst="ellipse">
+              <a:avLst/>
+            </a:prstGeom>
+            <a:solidFill>
+              <a:schemeClr val="tx1">
+                <a:lumMod val="50000"/>
+                <a:lumOff val="50000"/>
+              </a:schemeClr>
+            </a:solidFill>
+          </p:spPr>
+          <p:style>
+            <a:lnRef idx="2">
+              <a:schemeClr val="dk1">
+                <a:shade val="50000"/>
+              </a:schemeClr>
+            </a:lnRef>
+            <a:fillRef idx="1">
+              <a:schemeClr val="dk1"/>
+            </a:fillRef>
+            <a:effectRef idx="0">
+              <a:schemeClr val="dk1"/>
+            </a:effectRef>
+            <a:fontRef idx="minor">
+              <a:schemeClr val="lt1"/>
+            </a:fontRef>
+          </p:style>
+          <p:txBody>
+            <a:bodyPr rtlCol="0" anchor="ctr"/>
+            <a:lstStyle/>
+            <a:p>
+              <a:pPr algn="ctr"/>
+              <a:r>
+                <a:rPr kumimoji="1" lang="en-US" altLang="ja-JP" sz="800" dirty="0">
+                  <a:latin typeface="+mn-ea"/>
+                </a:rPr>
+                <a:t>11</a:t>
+              </a:r>
+              <a:endParaRPr kumimoji="1" lang="ja-JP" altLang="en-US" sz="800" dirty="0">
+                <a:latin typeface="+mn-ea"/>
+              </a:endParaRPr>
+            </a:p>
+          </p:txBody>
+        </p:sp>
+        <p:cxnSp>
+          <p:nvCxnSpPr>
+            <p:cNvPr id="46" name="直線矢印コネクタ 45">
+              <a:extLst>
+                <a:ext uri="{FF2B5EF4-FFF2-40B4-BE49-F238E27FC236}">
+                  <a16:creationId xmlns:a16="http://schemas.microsoft.com/office/drawing/2014/main" id="{18F07122-449C-4957-96A0-7E32C28B1F28}"/>
+                </a:ext>
+              </a:extLst>
+            </p:cNvPr>
+            <p:cNvCxnSpPr>
+              <a:cxnSpLocks/>
+              <a:stCxn id="22" idx="4"/>
+              <a:endCxn id="44" idx="1"/>
+            </p:cNvCxnSpPr>
+            <p:nvPr/>
+          </p:nvCxnSpPr>
+          <p:spPr>
+            <a:xfrm>
+              <a:off x="5764306" y="2897271"/>
+              <a:ext cx="280673" cy="845467"/>
+            </a:xfrm>
+            <a:prstGeom prst="straightConnector1">
+              <a:avLst/>
+            </a:prstGeom>
+            <a:ln>
+              <a:tailEnd type="triangle"/>
+            </a:ln>
+          </p:spPr>
+          <p:style>
+            <a:lnRef idx="1">
+              <a:schemeClr val="accent1"/>
+            </a:lnRef>
+            <a:fillRef idx="0">
+              <a:schemeClr val="accent1"/>
+            </a:fillRef>
+            <a:effectRef idx="0">
+              <a:schemeClr val="accent1"/>
+            </a:effectRef>
+            <a:fontRef idx="minor">
+              <a:schemeClr val="tx1"/>
+            </a:fontRef>
+          </p:style>
+        </p:cxnSp>
+        <p:sp>
+          <p:nvSpPr>
+            <p:cNvPr id="45" name="テキスト ボックス 44">
+              <a:extLst>
+                <a:ext uri="{FF2B5EF4-FFF2-40B4-BE49-F238E27FC236}">
+                  <a16:creationId xmlns:a16="http://schemas.microsoft.com/office/drawing/2014/main" id="{51DA2926-F636-441A-9349-027912AA44F8}"/>
+                </a:ext>
+              </a:extLst>
+            </p:cNvPr>
+            <p:cNvSpPr txBox="1"/>
+            <p:nvPr/>
+          </p:nvSpPr>
+          <p:spPr>
+            <a:xfrm>
+              <a:off x="5508898" y="3135563"/>
+              <a:ext cx="740524" cy="318183"/>
+            </a:xfrm>
+            <a:prstGeom prst="rect">
+              <a:avLst/>
+            </a:prstGeom>
+          </p:spPr>
+          <p:style>
+            <a:lnRef idx="2">
+              <a:schemeClr val="dk1"/>
+            </a:lnRef>
+            <a:fillRef idx="1">
+              <a:schemeClr val="lt1"/>
+            </a:fillRef>
+            <a:effectRef idx="0">
+              <a:schemeClr val="dk1"/>
+            </a:effectRef>
+            <a:fontRef idx="minor">
+              <a:schemeClr val="dk1"/>
+            </a:fontRef>
+          </p:style>
+          <p:txBody>
+            <a:bodyPr wrap="square" rtlCol="0" anchor="ctr">
+              <a:spAutoFit/>
+            </a:bodyPr>
+            <a:lstStyle/>
+            <a:p>
+              <a:pPr algn="ctr"/>
+              <a:r>
+                <a:rPr lang="ja-JP" altLang="en-US" sz="1100" dirty="0"/>
+                <a:t>コピー</a:t>
+              </a:r>
+              <a:endParaRPr kumimoji="1" lang="ja-JP" altLang="en-US" sz="1100" dirty="0"/>
+            </a:p>
+          </p:txBody>
+        </p:sp>
+        <p:sp>
+          <p:nvSpPr>
+            <p:cNvPr id="34" name="楕円 33">
+              <a:extLst>
+                <a:ext uri="{FF2B5EF4-FFF2-40B4-BE49-F238E27FC236}">
+                  <a16:creationId xmlns:a16="http://schemas.microsoft.com/office/drawing/2014/main" id="{006C4549-7A65-45DA-8C2D-01AB4AA68903}"/>
+                </a:ext>
+              </a:extLst>
+            </p:cNvPr>
+            <p:cNvSpPr/>
+            <p:nvPr/>
+          </p:nvSpPr>
+          <p:spPr>
+            <a:xfrm>
+              <a:off x="4906679" y="2479117"/>
+              <a:ext cx="415312" cy="428504"/>
+            </a:xfrm>
+            <a:prstGeom prst="ellipse">
+              <a:avLst/>
+            </a:prstGeom>
+            <a:solidFill>
+              <a:schemeClr val="accent4">
+                <a:lumMod val="75000"/>
+              </a:schemeClr>
+            </a:solidFill>
+            <a:ln>
+              <a:solidFill>
+                <a:schemeClr val="accent4">
+                  <a:lumMod val="50000"/>
+                </a:schemeClr>
+              </a:solidFill>
+            </a:ln>
+          </p:spPr>
+          <p:style>
+            <a:lnRef idx="2">
+              <a:schemeClr val="accent6">
+                <a:shade val="50000"/>
+              </a:schemeClr>
+            </a:lnRef>
+            <a:fillRef idx="1">
+              <a:schemeClr val="accent6"/>
+            </a:fillRef>
+            <a:effectRef idx="0">
+              <a:schemeClr val="accent6"/>
+            </a:effectRef>
+            <a:fontRef idx="minor">
+              <a:schemeClr val="lt1"/>
+            </a:fontRef>
+          </p:style>
+          <p:txBody>
+            <a:bodyPr rtlCol="0" anchor="ctr"/>
+            <a:lstStyle/>
+            <a:p>
+              <a:pPr algn="ctr"/>
+              <a:r>
+                <a:rPr kumimoji="1" lang="en-US" altLang="ja-JP" sz="800" dirty="0">
+                  <a:latin typeface="+mn-ea"/>
+                </a:rPr>
+                <a:t>8</a:t>
+              </a:r>
+              <a:endParaRPr kumimoji="1" lang="ja-JP" altLang="en-US" sz="800" dirty="0">
+                <a:latin typeface="+mn-ea"/>
+              </a:endParaRPr>
+            </a:p>
+          </p:txBody>
+        </p:sp>
+        <p:sp>
+          <p:nvSpPr>
+            <p:cNvPr id="16" name="左中かっこ 15">
+              <a:extLst>
+                <a:ext uri="{FF2B5EF4-FFF2-40B4-BE49-F238E27FC236}">
+                  <a16:creationId xmlns:a16="http://schemas.microsoft.com/office/drawing/2014/main" id="{CE97956E-ADAB-46DF-A63D-6944822BB974}"/>
+                </a:ext>
+              </a:extLst>
+            </p:cNvPr>
+            <p:cNvSpPr/>
+            <p:nvPr/>
+          </p:nvSpPr>
+          <p:spPr>
+            <a:xfrm rot="16200000">
+              <a:off x="4688609" y="2417855"/>
+              <a:ext cx="168252" cy="1189740"/>
+            </a:xfrm>
+            <a:prstGeom prst="leftBrace">
+              <a:avLst/>
+            </a:prstGeom>
+          </p:spPr>
+          <p:style>
+            <a:lnRef idx="1">
+              <a:schemeClr val="accent1"/>
+            </a:lnRef>
+            <a:fillRef idx="0">
+              <a:schemeClr val="accent1"/>
+            </a:fillRef>
+            <a:effectRef idx="0">
+              <a:schemeClr val="accent1"/>
+            </a:effectRef>
+            <a:fontRef idx="minor">
+              <a:schemeClr val="tx1"/>
+            </a:fontRef>
+          </p:style>
+          <p:txBody>
+            <a:bodyPr rtlCol="0" anchor="ctr"/>
+            <a:lstStyle/>
+            <a:p>
+              <a:pPr algn="ctr"/>
+              <a:endParaRPr kumimoji="1" lang="ja-JP" altLang="en-US"/>
+            </a:p>
+          </p:txBody>
+        </p:sp>
+        <p:sp>
+          <p:nvSpPr>
+            <p:cNvPr id="38" name="吹き出し: 四角形 37">
+              <a:extLst>
+                <a:ext uri="{FF2B5EF4-FFF2-40B4-BE49-F238E27FC236}">
+                  <a16:creationId xmlns:a16="http://schemas.microsoft.com/office/drawing/2014/main" id="{DA5FF6B8-B70B-4970-BED6-604FD4303934}"/>
+                </a:ext>
+              </a:extLst>
+            </p:cNvPr>
+            <p:cNvSpPr/>
+            <p:nvPr/>
+          </p:nvSpPr>
+          <p:spPr>
+            <a:xfrm>
+              <a:off x="4690389" y="4660949"/>
+              <a:ext cx="1425013" cy="434155"/>
+            </a:xfrm>
+            <a:prstGeom prst="wedgeRectCallout">
+              <a:avLst>
+                <a:gd name="adj1" fmla="val -44522"/>
+                <a:gd name="adj2" fmla="val -379134"/>
+              </a:avLst>
+            </a:prstGeom>
+          </p:spPr>
+          <p:style>
+            <a:lnRef idx="2">
+              <a:schemeClr val="dk1"/>
+            </a:lnRef>
+            <a:fillRef idx="1">
+              <a:schemeClr val="lt1"/>
+            </a:fillRef>
+            <a:effectRef idx="0">
+              <a:schemeClr val="dk1"/>
+            </a:effectRef>
+            <a:fontRef idx="minor">
+              <a:schemeClr val="dk1"/>
+            </a:fontRef>
+          </p:style>
+          <p:txBody>
+            <a:bodyPr rtlCol="0" anchor="ctr"/>
+            <a:lstStyle/>
+            <a:p>
+              <a:pPr algn="ctr"/>
+              <a:r>
+                <a:rPr kumimoji="1" lang="ja-JP" altLang="en-US" sz="1200" dirty="0"/>
+                <a:t>バグ修正のコミット</a:t>
+              </a:r>
+            </a:p>
+          </p:txBody>
+        </p:sp>
+        <p:cxnSp>
+          <p:nvCxnSpPr>
+            <p:cNvPr id="42" name="直線コネクタ 41">
+              <a:extLst>
+                <a:ext uri="{FF2B5EF4-FFF2-40B4-BE49-F238E27FC236}">
+                  <a16:creationId xmlns:a16="http://schemas.microsoft.com/office/drawing/2014/main" id="{216434BD-1210-4DC9-AF90-EBA36364F4F6}"/>
+                </a:ext>
+              </a:extLst>
+            </p:cNvPr>
+            <p:cNvCxnSpPr>
+              <a:cxnSpLocks/>
+            </p:cNvCxnSpPr>
+            <p:nvPr/>
+          </p:nvCxnSpPr>
+          <p:spPr>
+            <a:xfrm>
+              <a:off x="5077575" y="663457"/>
+              <a:ext cx="967404" cy="0"/>
+            </a:xfrm>
+            <a:prstGeom prst="line">
+              <a:avLst/>
+            </a:prstGeom>
+          </p:spPr>
+          <p:style>
+            <a:lnRef idx="1">
+              <a:schemeClr val="accent1"/>
+            </a:lnRef>
+            <a:fillRef idx="0">
+              <a:schemeClr val="accent1"/>
+            </a:fillRef>
+            <a:effectRef idx="0">
+              <a:schemeClr val="accent1"/>
+            </a:effectRef>
+            <a:fontRef idx="minor">
+              <a:schemeClr val="tx1"/>
+            </a:fontRef>
+          </p:style>
+        </p:cxnSp>
+        <p:sp>
+          <p:nvSpPr>
+            <p:cNvPr id="47" name="楕円 46">
+              <a:extLst>
+                <a:ext uri="{FF2B5EF4-FFF2-40B4-BE49-F238E27FC236}">
+                  <a16:creationId xmlns:a16="http://schemas.microsoft.com/office/drawing/2014/main" id="{BF392FBD-0432-4E75-B034-F0B926D5947A}"/>
+                </a:ext>
+              </a:extLst>
+            </p:cNvPr>
+            <p:cNvSpPr/>
+            <p:nvPr/>
+          </p:nvSpPr>
+          <p:spPr>
+            <a:xfrm>
+              <a:off x="4869919" y="438857"/>
+              <a:ext cx="415312" cy="428504"/>
+            </a:xfrm>
+            <a:prstGeom prst="ellipse">
+              <a:avLst/>
+            </a:prstGeom>
+          </p:spPr>
+          <p:style>
+            <a:lnRef idx="2">
+              <a:schemeClr val="accent4">
+                <a:shade val="50000"/>
+              </a:schemeClr>
+            </a:lnRef>
+            <a:fillRef idx="1">
+              <a:schemeClr val="accent4"/>
+            </a:fillRef>
+            <a:effectRef idx="0">
+              <a:schemeClr val="accent4"/>
+            </a:effectRef>
+            <a:fontRef idx="minor">
+              <a:schemeClr val="lt1"/>
+            </a:fontRef>
+          </p:style>
+          <p:txBody>
+            <a:bodyPr rtlCol="0" anchor="ctr"/>
+            <a:lstStyle/>
+            <a:p>
+              <a:pPr algn="ctr"/>
+              <a:r>
+                <a:rPr kumimoji="1" lang="en-US" altLang="ja-JP" sz="800" dirty="0">
+                  <a:latin typeface="+mn-ea"/>
+                </a:rPr>
+                <a:t>7</a:t>
+              </a:r>
+              <a:endParaRPr kumimoji="1" lang="ja-JP" altLang="en-US" sz="800" dirty="0">
+                <a:latin typeface="+mn-ea"/>
+              </a:endParaRPr>
+            </a:p>
+          </p:txBody>
+        </p:sp>
+        <p:cxnSp>
+          <p:nvCxnSpPr>
+            <p:cNvPr id="48" name="直線矢印コネクタ 47">
+              <a:extLst>
+                <a:ext uri="{FF2B5EF4-FFF2-40B4-BE49-F238E27FC236}">
+                  <a16:creationId xmlns:a16="http://schemas.microsoft.com/office/drawing/2014/main" id="{4F907028-44AD-4D5A-8C62-A3AB252CB4EF}"/>
+                </a:ext>
+              </a:extLst>
+            </p:cNvPr>
+            <p:cNvCxnSpPr>
+              <a:cxnSpLocks/>
+              <a:stCxn id="20" idx="0"/>
+              <a:endCxn id="47" idx="3"/>
+            </p:cNvCxnSpPr>
+            <p:nvPr/>
+          </p:nvCxnSpPr>
+          <p:spPr>
+            <a:xfrm flipV="1">
+              <a:off x="4701781" y="804608"/>
+              <a:ext cx="228959" cy="600005"/>
+            </a:xfrm>
+            <a:prstGeom prst="straightConnector1">
+              <a:avLst/>
+            </a:prstGeom>
+            <a:ln>
+              <a:tailEnd type="triangle"/>
+            </a:ln>
+          </p:spPr>
+          <p:style>
+            <a:lnRef idx="1">
+              <a:schemeClr val="accent1"/>
+            </a:lnRef>
+            <a:fillRef idx="0">
+              <a:schemeClr val="accent1"/>
+            </a:fillRef>
+            <a:effectRef idx="0">
+              <a:schemeClr val="accent1"/>
+            </a:effectRef>
+            <a:fontRef idx="minor">
+              <a:schemeClr val="tx1"/>
+            </a:fontRef>
+          </p:style>
+        </p:cxnSp>
+        <p:sp>
+          <p:nvSpPr>
+            <p:cNvPr id="49" name="テキスト ボックス 48">
+              <a:extLst>
+                <a:ext uri="{FF2B5EF4-FFF2-40B4-BE49-F238E27FC236}">
+                  <a16:creationId xmlns:a16="http://schemas.microsoft.com/office/drawing/2014/main" id="{AF165DC3-2CA7-4CB0-BAE6-57D575AF038B}"/>
+                </a:ext>
+              </a:extLst>
+            </p:cNvPr>
+            <p:cNvSpPr txBox="1"/>
+            <p:nvPr/>
+          </p:nvSpPr>
+          <p:spPr>
+            <a:xfrm>
+              <a:off x="4442220" y="974129"/>
+              <a:ext cx="740524" cy="318183"/>
+            </a:xfrm>
+            <a:prstGeom prst="rect">
+              <a:avLst/>
+            </a:prstGeom>
+          </p:spPr>
+          <p:style>
+            <a:lnRef idx="2">
+              <a:schemeClr val="dk1"/>
+            </a:lnRef>
+            <a:fillRef idx="1">
+              <a:schemeClr val="lt1"/>
+            </a:fillRef>
+            <a:effectRef idx="0">
+              <a:schemeClr val="dk1"/>
+            </a:effectRef>
+            <a:fontRef idx="minor">
+              <a:schemeClr val="dk1"/>
+            </a:fontRef>
+          </p:style>
+          <p:txBody>
+            <a:bodyPr wrap="square" rtlCol="0" anchor="ctr">
+              <a:spAutoFit/>
+            </a:bodyPr>
+            <a:lstStyle/>
+            <a:p>
+              <a:pPr algn="ctr"/>
+              <a:r>
+                <a:rPr lang="ja-JP" altLang="en-US" sz="1100" dirty="0"/>
+                <a:t>コピー</a:t>
+              </a:r>
+              <a:endParaRPr kumimoji="1" lang="ja-JP" altLang="en-US" sz="1100" dirty="0"/>
+            </a:p>
+          </p:txBody>
+        </p:sp>
+        <p:sp>
+          <p:nvSpPr>
+            <p:cNvPr id="50" name="テキスト ボックス 49">
+              <a:extLst>
+                <a:ext uri="{FF2B5EF4-FFF2-40B4-BE49-F238E27FC236}">
+                  <a16:creationId xmlns:a16="http://schemas.microsoft.com/office/drawing/2014/main" id="{7856829F-2C8B-48FA-9065-0FD06F0A8099}"/>
+                </a:ext>
+              </a:extLst>
+            </p:cNvPr>
+            <p:cNvSpPr txBox="1"/>
+            <p:nvPr/>
+          </p:nvSpPr>
+          <p:spPr>
+            <a:xfrm>
+              <a:off x="2712080" y="404745"/>
+              <a:ext cx="2010487" cy="369332"/>
+            </a:xfrm>
+            <a:prstGeom prst="rect">
+              <a:avLst/>
+            </a:prstGeom>
+            <a:noFill/>
+          </p:spPr>
+          <p:txBody>
+            <a:bodyPr wrap="none" rtlCol="0">
+              <a:spAutoFit/>
+            </a:bodyPr>
+            <a:lstStyle/>
+            <a:p>
+              <a:r>
+                <a:rPr kumimoji="1" lang="ja-JP" altLang="en-US" dirty="0"/>
+                <a:t>バグ修正ブランチ</a:t>
+              </a:r>
+              <a:r>
+                <a:rPr kumimoji="1" lang="en-US" altLang="ja-JP" dirty="0"/>
+                <a:t>2</a:t>
+              </a:r>
+              <a:endParaRPr kumimoji="1" lang="ja-JP" altLang="en-US" dirty="0"/>
+            </a:p>
+          </p:txBody>
+        </p:sp>
+      </p:grpSp>
+    </p:spTree>
+    <p:extLst>
+      <p:ext uri="{BB962C8B-B14F-4D97-AF65-F5344CB8AC3E}">
+        <p14:creationId xmlns:p14="http://schemas.microsoft.com/office/powerpoint/2010/main" val="2734077805"/>
+      </p:ext>
+    </p:extLst>
+  </p:cSld>
+  <p:clrMapOvr>
+    <a:masterClrMapping/>
+  </p:clrMapOvr>
+</p:sld>
+</file>
+
 <file path=ppt/theme/theme1.xml><?xml version="1.0" encoding="utf-8"?>
 <a:theme xmlns:a="http://schemas.openxmlformats.org/drawingml/2006/main" name="Office テーマ">
   <a:themeElements>

--- a/pptx/chapter-15.pptx
+++ b/pptx/chapter-15.pptx
@@ -7,6 +7,7 @@
   <p:sldIdLst>
     <p:sldId id="265" r:id="rId2"/>
     <p:sldId id="266" r:id="rId3"/>
+    <p:sldId id="267" r:id="rId4"/>
   </p:sldIdLst>
   <p:sldSz cx="9144000" cy="6858000" type="screen4x3"/>
   <p:notesSz cx="6858000" cy="9144000"/>
@@ -6159,6 +6160,1194 @@
 </p:sld>
 </file>
 
+<file path=ppt/slides/slide3.xml><?xml version="1.0" encoding="utf-8"?>
+<p:sld xmlns:a="http://schemas.openxmlformats.org/drawingml/2006/main" xmlns:r="http://schemas.openxmlformats.org/officeDocument/2006/relationships" xmlns:p="http://schemas.openxmlformats.org/presentationml/2006/main">
+  <p:cSld>
+    <p:spTree>
+      <p:nvGrpSpPr>
+        <p:cNvPr id="1" name=""/>
+        <p:cNvGrpSpPr/>
+        <p:nvPr/>
+      </p:nvGrpSpPr>
+      <p:grpSpPr>
+        <a:xfrm>
+          <a:off x="0" y="0"/>
+          <a:ext cx="0" cy="0"/>
+          <a:chOff x="0" y="0"/>
+          <a:chExt cx="0" cy="0"/>
+        </a:xfrm>
+      </p:grpSpPr>
+      <p:grpSp>
+        <p:nvGrpSpPr>
+          <p:cNvPr id="47" name="グループ化 46">
+            <a:extLst>
+              <a:ext uri="{FF2B5EF4-FFF2-40B4-BE49-F238E27FC236}">
+                <a16:creationId xmlns:a16="http://schemas.microsoft.com/office/drawing/2014/main" id="{A8D1B191-737D-48BA-ABD7-8CA4E8CC908E}"/>
+              </a:ext>
+            </a:extLst>
+          </p:cNvPr>
+          <p:cNvGrpSpPr/>
+          <p:nvPr/>
+        </p:nvGrpSpPr>
+        <p:grpSpPr>
+          <a:xfrm>
+            <a:off x="1423066" y="1384075"/>
+            <a:ext cx="5671844" cy="2492696"/>
+            <a:chOff x="1423066" y="1384075"/>
+            <a:chExt cx="5671844" cy="2492696"/>
+          </a:xfrm>
+        </p:grpSpPr>
+        <p:cxnSp>
+          <p:nvCxnSpPr>
+            <p:cNvPr id="3" name="直線コネクタ 2">
+              <a:extLst>
+                <a:ext uri="{FF2B5EF4-FFF2-40B4-BE49-F238E27FC236}">
+                  <a16:creationId xmlns:a16="http://schemas.microsoft.com/office/drawing/2014/main" id="{FD00448C-5501-4C6B-A401-600B1BE0FEF3}"/>
+                </a:ext>
+              </a:extLst>
+            </p:cNvPr>
+            <p:cNvCxnSpPr>
+              <a:cxnSpLocks/>
+            </p:cNvCxnSpPr>
+            <p:nvPr/>
+          </p:nvCxnSpPr>
+          <p:spPr>
+            <a:xfrm>
+              <a:off x="2390862" y="1608675"/>
+              <a:ext cx="4704048" cy="0"/>
+            </a:xfrm>
+            <a:prstGeom prst="line">
+              <a:avLst/>
+            </a:prstGeom>
+          </p:spPr>
+          <p:style>
+            <a:lnRef idx="1">
+              <a:schemeClr val="accent1"/>
+            </a:lnRef>
+            <a:fillRef idx="0">
+              <a:schemeClr val="accent1"/>
+            </a:fillRef>
+            <a:effectRef idx="0">
+              <a:schemeClr val="accent1"/>
+            </a:effectRef>
+            <a:fontRef idx="minor">
+              <a:schemeClr val="tx1"/>
+            </a:fontRef>
+          </p:style>
+        </p:cxnSp>
+        <p:sp>
+          <p:nvSpPr>
+            <p:cNvPr id="4" name="テキスト ボックス 3">
+              <a:extLst>
+                <a:ext uri="{FF2B5EF4-FFF2-40B4-BE49-F238E27FC236}">
+                  <a16:creationId xmlns:a16="http://schemas.microsoft.com/office/drawing/2014/main" id="{B25FBA0E-4990-4903-8B69-29BA86E48724}"/>
+                </a:ext>
+              </a:extLst>
+            </p:cNvPr>
+            <p:cNvSpPr txBox="1"/>
+            <p:nvPr/>
+          </p:nvSpPr>
+          <p:spPr>
+            <a:xfrm>
+              <a:off x="1479761" y="1413559"/>
+              <a:ext cx="1068022" cy="449200"/>
+            </a:xfrm>
+            <a:prstGeom prst="rect">
+              <a:avLst/>
+            </a:prstGeom>
+            <a:noFill/>
+          </p:spPr>
+          <p:txBody>
+            <a:bodyPr wrap="none" rtlCol="0">
+              <a:spAutoFit/>
+            </a:bodyPr>
+            <a:lstStyle/>
+            <a:p>
+              <a:r>
+                <a:rPr kumimoji="1" lang="ja-JP" altLang="en-US" dirty="0"/>
+                <a:t>トランク</a:t>
+              </a:r>
+            </a:p>
+          </p:txBody>
+        </p:sp>
+        <p:sp>
+          <p:nvSpPr>
+            <p:cNvPr id="5" name="楕円 4">
+              <a:extLst>
+                <a:ext uri="{FF2B5EF4-FFF2-40B4-BE49-F238E27FC236}">
+                  <a16:creationId xmlns:a16="http://schemas.microsoft.com/office/drawing/2014/main" id="{27EDFB32-3C8B-438B-96FD-16D08AD5E641}"/>
+                </a:ext>
+              </a:extLst>
+            </p:cNvPr>
+            <p:cNvSpPr/>
+            <p:nvPr/>
+          </p:nvSpPr>
+          <p:spPr>
+            <a:xfrm>
+              <a:off x="2545958" y="1404613"/>
+              <a:ext cx="415312" cy="428504"/>
+            </a:xfrm>
+            <a:prstGeom prst="ellipse">
+              <a:avLst/>
+            </a:prstGeom>
+          </p:spPr>
+          <p:style>
+            <a:lnRef idx="2">
+              <a:schemeClr val="accent1">
+                <a:shade val="50000"/>
+              </a:schemeClr>
+            </a:lnRef>
+            <a:fillRef idx="1">
+              <a:schemeClr val="accent1"/>
+            </a:fillRef>
+            <a:effectRef idx="0">
+              <a:schemeClr val="accent1"/>
+            </a:effectRef>
+            <a:fontRef idx="minor">
+              <a:schemeClr val="lt1"/>
+            </a:fontRef>
+          </p:style>
+          <p:txBody>
+            <a:bodyPr rtlCol="0" anchor="ctr"/>
+            <a:lstStyle/>
+            <a:p>
+              <a:pPr algn="ctr"/>
+              <a:r>
+                <a:rPr kumimoji="1" lang="en-US" altLang="ja-JP" sz="800" dirty="0">
+                  <a:latin typeface="+mn-ea"/>
+                </a:rPr>
+                <a:t>1</a:t>
+              </a:r>
+              <a:endParaRPr kumimoji="1" lang="ja-JP" altLang="en-US" sz="800" dirty="0">
+                <a:latin typeface="+mn-ea"/>
+              </a:endParaRPr>
+            </a:p>
+          </p:txBody>
+        </p:sp>
+        <p:sp>
+          <p:nvSpPr>
+            <p:cNvPr id="6" name="楕円 5">
+              <a:extLst>
+                <a:ext uri="{FF2B5EF4-FFF2-40B4-BE49-F238E27FC236}">
+                  <a16:creationId xmlns:a16="http://schemas.microsoft.com/office/drawing/2014/main" id="{A978A2B4-02F6-4C9A-BA5F-DE0B90A9A49B}"/>
+                </a:ext>
+              </a:extLst>
+            </p:cNvPr>
+            <p:cNvSpPr/>
+            <p:nvPr/>
+          </p:nvSpPr>
+          <p:spPr>
+            <a:xfrm>
+              <a:off x="3159044" y="1404613"/>
+              <a:ext cx="415312" cy="428504"/>
+            </a:xfrm>
+            <a:prstGeom prst="ellipse">
+              <a:avLst/>
+            </a:prstGeom>
+          </p:spPr>
+          <p:style>
+            <a:lnRef idx="2">
+              <a:schemeClr val="accent1">
+                <a:shade val="50000"/>
+              </a:schemeClr>
+            </a:lnRef>
+            <a:fillRef idx="1">
+              <a:schemeClr val="accent1"/>
+            </a:fillRef>
+            <a:effectRef idx="0">
+              <a:schemeClr val="accent1"/>
+            </a:effectRef>
+            <a:fontRef idx="minor">
+              <a:schemeClr val="lt1"/>
+            </a:fontRef>
+          </p:style>
+          <p:txBody>
+            <a:bodyPr rtlCol="0" anchor="ctr"/>
+            <a:lstStyle/>
+            <a:p>
+              <a:pPr algn="ctr"/>
+              <a:r>
+                <a:rPr kumimoji="1" lang="en-US" altLang="ja-JP" sz="800" dirty="0">
+                  <a:latin typeface="+mn-ea"/>
+                </a:rPr>
+                <a:t>2</a:t>
+              </a:r>
+              <a:endParaRPr kumimoji="1" lang="ja-JP" altLang="en-US" sz="800" dirty="0">
+                <a:latin typeface="+mn-ea"/>
+              </a:endParaRPr>
+            </a:p>
+          </p:txBody>
+        </p:sp>
+        <p:sp>
+          <p:nvSpPr>
+            <p:cNvPr id="7" name="楕円 6">
+              <a:extLst>
+                <a:ext uri="{FF2B5EF4-FFF2-40B4-BE49-F238E27FC236}">
+                  <a16:creationId xmlns:a16="http://schemas.microsoft.com/office/drawing/2014/main" id="{CE5ADD3B-9A1B-4772-AB82-727DA1DED57E}"/>
+                </a:ext>
+              </a:extLst>
+            </p:cNvPr>
+            <p:cNvSpPr/>
+            <p:nvPr/>
+          </p:nvSpPr>
+          <p:spPr>
+            <a:xfrm>
+              <a:off x="3881039" y="1404613"/>
+              <a:ext cx="415312" cy="428504"/>
+            </a:xfrm>
+            <a:prstGeom prst="ellipse">
+              <a:avLst/>
+            </a:prstGeom>
+          </p:spPr>
+          <p:style>
+            <a:lnRef idx="2">
+              <a:schemeClr val="accent1">
+                <a:shade val="50000"/>
+              </a:schemeClr>
+            </a:lnRef>
+            <a:fillRef idx="1">
+              <a:schemeClr val="accent1"/>
+            </a:fillRef>
+            <a:effectRef idx="0">
+              <a:schemeClr val="accent1"/>
+            </a:effectRef>
+            <a:fontRef idx="minor">
+              <a:schemeClr val="lt1"/>
+            </a:fontRef>
+          </p:style>
+          <p:txBody>
+            <a:bodyPr rtlCol="0" anchor="ctr"/>
+            <a:lstStyle/>
+            <a:p>
+              <a:pPr algn="ctr"/>
+              <a:r>
+                <a:rPr kumimoji="1" lang="en-US" altLang="ja-JP" sz="800" dirty="0">
+                  <a:latin typeface="+mn-ea"/>
+                </a:rPr>
+                <a:t>4</a:t>
+              </a:r>
+              <a:endParaRPr kumimoji="1" lang="ja-JP" altLang="en-US" sz="800" dirty="0">
+                <a:latin typeface="+mn-ea"/>
+              </a:endParaRPr>
+            </a:p>
+          </p:txBody>
+        </p:sp>
+        <p:cxnSp>
+          <p:nvCxnSpPr>
+            <p:cNvPr id="8" name="直線コネクタ 7">
+              <a:extLst>
+                <a:ext uri="{FF2B5EF4-FFF2-40B4-BE49-F238E27FC236}">
+                  <a16:creationId xmlns:a16="http://schemas.microsoft.com/office/drawing/2014/main" id="{0D334BA3-DA27-4830-A750-0BAECFF5D499}"/>
+                </a:ext>
+              </a:extLst>
+            </p:cNvPr>
+            <p:cNvCxnSpPr>
+              <a:cxnSpLocks/>
+            </p:cNvCxnSpPr>
+            <p:nvPr/>
+          </p:nvCxnSpPr>
+          <p:spPr>
+            <a:xfrm>
+              <a:off x="3782012" y="2693369"/>
+              <a:ext cx="3312898" cy="0"/>
+            </a:xfrm>
+            <a:prstGeom prst="line">
+              <a:avLst/>
+            </a:prstGeom>
+          </p:spPr>
+          <p:style>
+            <a:lnRef idx="1">
+              <a:schemeClr val="accent1"/>
+            </a:lnRef>
+            <a:fillRef idx="0">
+              <a:schemeClr val="accent1"/>
+            </a:fillRef>
+            <a:effectRef idx="0">
+              <a:schemeClr val="accent1"/>
+            </a:effectRef>
+            <a:fontRef idx="minor">
+              <a:schemeClr val="tx1"/>
+            </a:fontRef>
+          </p:style>
+        </p:cxnSp>
+        <p:sp>
+          <p:nvSpPr>
+            <p:cNvPr id="9" name="テキスト ボックス 8">
+              <a:extLst>
+                <a:ext uri="{FF2B5EF4-FFF2-40B4-BE49-F238E27FC236}">
+                  <a16:creationId xmlns:a16="http://schemas.microsoft.com/office/drawing/2014/main" id="{0A89AACF-C72A-4422-A63D-91884E0753FF}"/>
+                </a:ext>
+              </a:extLst>
+            </p:cNvPr>
+            <p:cNvSpPr txBox="1"/>
+            <p:nvPr/>
+          </p:nvSpPr>
+          <p:spPr>
+            <a:xfrm>
+              <a:off x="1423066" y="2493487"/>
+              <a:ext cx="2255724" cy="369332"/>
+            </a:xfrm>
+            <a:prstGeom prst="rect">
+              <a:avLst/>
+            </a:prstGeom>
+            <a:noFill/>
+          </p:spPr>
+          <p:txBody>
+            <a:bodyPr wrap="square" rtlCol="0">
+              <a:spAutoFit/>
+            </a:bodyPr>
+            <a:lstStyle/>
+            <a:p>
+              <a:r>
+                <a:rPr kumimoji="1" lang="ja-JP" altLang="en-US" dirty="0"/>
+                <a:t>フィーチャーブランチ</a:t>
+              </a:r>
+            </a:p>
+          </p:txBody>
+        </p:sp>
+        <p:cxnSp>
+          <p:nvCxnSpPr>
+            <p:cNvPr id="11" name="直線矢印コネクタ 10">
+              <a:extLst>
+                <a:ext uri="{FF2B5EF4-FFF2-40B4-BE49-F238E27FC236}">
+                  <a16:creationId xmlns:a16="http://schemas.microsoft.com/office/drawing/2014/main" id="{E4134C78-D3BE-4411-95D3-843BE8B3C861}"/>
+                </a:ext>
+              </a:extLst>
+            </p:cNvPr>
+            <p:cNvCxnSpPr>
+              <a:cxnSpLocks/>
+              <a:stCxn id="6" idx="4"/>
+              <a:endCxn id="12" idx="1"/>
+            </p:cNvCxnSpPr>
+            <p:nvPr/>
+          </p:nvCxnSpPr>
+          <p:spPr>
+            <a:xfrm>
+              <a:off x="3366701" y="1833116"/>
+              <a:ext cx="268476" cy="698405"/>
+            </a:xfrm>
+            <a:prstGeom prst="straightConnector1">
+              <a:avLst/>
+            </a:prstGeom>
+            <a:ln>
+              <a:tailEnd type="triangle"/>
+            </a:ln>
+          </p:spPr>
+          <p:style>
+            <a:lnRef idx="1">
+              <a:schemeClr val="accent1"/>
+            </a:lnRef>
+            <a:fillRef idx="0">
+              <a:schemeClr val="accent1"/>
+            </a:fillRef>
+            <a:effectRef idx="0">
+              <a:schemeClr val="accent1"/>
+            </a:effectRef>
+            <a:fontRef idx="minor">
+              <a:schemeClr val="tx1"/>
+            </a:fontRef>
+          </p:style>
+        </p:cxnSp>
+        <p:sp>
+          <p:nvSpPr>
+            <p:cNvPr id="12" name="楕円 11">
+              <a:extLst>
+                <a:ext uri="{FF2B5EF4-FFF2-40B4-BE49-F238E27FC236}">
+                  <a16:creationId xmlns:a16="http://schemas.microsoft.com/office/drawing/2014/main" id="{45480E66-B748-4719-99B4-767B4958EC4B}"/>
+                </a:ext>
+              </a:extLst>
+            </p:cNvPr>
+            <p:cNvSpPr/>
+            <p:nvPr/>
+          </p:nvSpPr>
+          <p:spPr>
+            <a:xfrm>
+              <a:off x="3574356" y="2468769"/>
+              <a:ext cx="415312" cy="428504"/>
+            </a:xfrm>
+            <a:prstGeom prst="ellipse">
+              <a:avLst/>
+            </a:prstGeom>
+          </p:spPr>
+          <p:style>
+            <a:lnRef idx="2">
+              <a:schemeClr val="accent4">
+                <a:shade val="50000"/>
+              </a:schemeClr>
+            </a:lnRef>
+            <a:fillRef idx="1">
+              <a:schemeClr val="accent4"/>
+            </a:fillRef>
+            <a:effectRef idx="0">
+              <a:schemeClr val="accent4"/>
+            </a:effectRef>
+            <a:fontRef idx="minor">
+              <a:schemeClr val="lt1"/>
+            </a:fontRef>
+          </p:style>
+          <p:txBody>
+            <a:bodyPr rtlCol="0" anchor="ctr"/>
+            <a:lstStyle/>
+            <a:p>
+              <a:pPr algn="ctr"/>
+              <a:r>
+                <a:rPr kumimoji="1" lang="en-US" altLang="ja-JP" sz="800" dirty="0">
+                  <a:latin typeface="+mn-ea"/>
+                </a:rPr>
+                <a:t>3</a:t>
+              </a:r>
+              <a:endParaRPr kumimoji="1" lang="ja-JP" altLang="en-US" sz="800" dirty="0">
+                <a:latin typeface="+mn-ea"/>
+              </a:endParaRPr>
+            </a:p>
+          </p:txBody>
+        </p:sp>
+        <p:sp>
+          <p:nvSpPr>
+            <p:cNvPr id="18" name="楕円 17">
+              <a:extLst>
+                <a:ext uri="{FF2B5EF4-FFF2-40B4-BE49-F238E27FC236}">
+                  <a16:creationId xmlns:a16="http://schemas.microsoft.com/office/drawing/2014/main" id="{389E0A11-E0E5-4DA1-94E8-372C5E8EE7AC}"/>
+                </a:ext>
+              </a:extLst>
+            </p:cNvPr>
+            <p:cNvSpPr/>
+            <p:nvPr/>
+          </p:nvSpPr>
+          <p:spPr>
+            <a:xfrm>
+              <a:off x="4119393" y="2472290"/>
+              <a:ext cx="415312" cy="428504"/>
+            </a:xfrm>
+            <a:prstGeom prst="ellipse">
+              <a:avLst/>
+            </a:prstGeom>
+            <a:ln/>
+          </p:spPr>
+          <p:style>
+            <a:lnRef idx="2">
+              <a:schemeClr val="accent4">
+                <a:shade val="50000"/>
+              </a:schemeClr>
+            </a:lnRef>
+            <a:fillRef idx="1">
+              <a:schemeClr val="accent4"/>
+            </a:fillRef>
+            <a:effectRef idx="0">
+              <a:schemeClr val="accent4"/>
+            </a:effectRef>
+            <a:fontRef idx="minor">
+              <a:schemeClr val="lt1"/>
+            </a:fontRef>
+          </p:style>
+          <p:txBody>
+            <a:bodyPr rtlCol="0" anchor="ctr"/>
+            <a:lstStyle/>
+            <a:p>
+              <a:pPr algn="ctr"/>
+              <a:r>
+                <a:rPr kumimoji="1" lang="en-US" altLang="ja-JP" sz="800" dirty="0">
+                  <a:latin typeface="+mn-ea"/>
+                </a:rPr>
+                <a:t>5</a:t>
+              </a:r>
+              <a:endParaRPr kumimoji="1" lang="ja-JP" altLang="en-US" sz="800" dirty="0">
+                <a:latin typeface="+mn-ea"/>
+              </a:endParaRPr>
+            </a:p>
+          </p:txBody>
+        </p:sp>
+        <p:sp>
+          <p:nvSpPr>
+            <p:cNvPr id="20" name="楕円 19">
+              <a:extLst>
+                <a:ext uri="{FF2B5EF4-FFF2-40B4-BE49-F238E27FC236}">
+                  <a16:creationId xmlns:a16="http://schemas.microsoft.com/office/drawing/2014/main" id="{C5F399B4-6AC1-47E6-8738-89D4C3C77AF5}"/>
+                </a:ext>
+              </a:extLst>
+            </p:cNvPr>
+            <p:cNvSpPr/>
+            <p:nvPr/>
+          </p:nvSpPr>
+          <p:spPr>
+            <a:xfrm>
+              <a:off x="4637927" y="2463901"/>
+              <a:ext cx="415312" cy="428504"/>
+            </a:xfrm>
+            <a:prstGeom prst="ellipse">
+              <a:avLst/>
+            </a:prstGeom>
+          </p:spPr>
+          <p:style>
+            <a:lnRef idx="2">
+              <a:schemeClr val="accent4">
+                <a:shade val="50000"/>
+              </a:schemeClr>
+            </a:lnRef>
+            <a:fillRef idx="1">
+              <a:schemeClr val="accent4"/>
+            </a:fillRef>
+            <a:effectRef idx="0">
+              <a:schemeClr val="accent4"/>
+            </a:effectRef>
+            <a:fontRef idx="minor">
+              <a:schemeClr val="lt1"/>
+            </a:fontRef>
+          </p:style>
+          <p:txBody>
+            <a:bodyPr rtlCol="0" anchor="ctr"/>
+            <a:lstStyle/>
+            <a:p>
+              <a:pPr algn="ctr"/>
+              <a:r>
+                <a:rPr kumimoji="1" lang="en-US" altLang="ja-JP" sz="800" dirty="0">
+                  <a:latin typeface="+mn-ea"/>
+                </a:rPr>
+                <a:t>6</a:t>
+              </a:r>
+              <a:endParaRPr kumimoji="1" lang="ja-JP" altLang="en-US" sz="800" dirty="0">
+                <a:latin typeface="+mn-ea"/>
+              </a:endParaRPr>
+            </a:p>
+          </p:txBody>
+        </p:sp>
+        <p:sp>
+          <p:nvSpPr>
+            <p:cNvPr id="21" name="楕円 20">
+              <a:extLst>
+                <a:ext uri="{FF2B5EF4-FFF2-40B4-BE49-F238E27FC236}">
+                  <a16:creationId xmlns:a16="http://schemas.microsoft.com/office/drawing/2014/main" id="{FCF0B23B-031E-46C5-9598-B086126419BB}"/>
+                </a:ext>
+              </a:extLst>
+            </p:cNvPr>
+            <p:cNvSpPr/>
+            <p:nvPr/>
+          </p:nvSpPr>
+          <p:spPr>
+            <a:xfrm>
+              <a:off x="4861978" y="1404613"/>
+              <a:ext cx="415312" cy="428504"/>
+            </a:xfrm>
+            <a:prstGeom prst="ellipse">
+              <a:avLst/>
+            </a:prstGeom>
+          </p:spPr>
+          <p:style>
+            <a:lnRef idx="2">
+              <a:schemeClr val="accent1">
+                <a:shade val="50000"/>
+              </a:schemeClr>
+            </a:lnRef>
+            <a:fillRef idx="1">
+              <a:schemeClr val="accent1"/>
+            </a:fillRef>
+            <a:effectRef idx="0">
+              <a:schemeClr val="accent1"/>
+            </a:effectRef>
+            <a:fontRef idx="minor">
+              <a:schemeClr val="lt1"/>
+            </a:fontRef>
+          </p:style>
+          <p:txBody>
+            <a:bodyPr rtlCol="0" anchor="ctr"/>
+            <a:lstStyle/>
+            <a:p>
+              <a:pPr algn="ctr"/>
+              <a:r>
+                <a:rPr kumimoji="1" lang="en-US" altLang="ja-JP" sz="800" dirty="0">
+                  <a:latin typeface="+mn-ea"/>
+                </a:rPr>
+                <a:t>7</a:t>
+              </a:r>
+              <a:endParaRPr kumimoji="1" lang="ja-JP" altLang="en-US" sz="800" dirty="0">
+                <a:latin typeface="+mn-ea"/>
+              </a:endParaRPr>
+            </a:p>
+          </p:txBody>
+        </p:sp>
+        <p:sp>
+          <p:nvSpPr>
+            <p:cNvPr id="22" name="楕円 21">
+              <a:extLst>
+                <a:ext uri="{FF2B5EF4-FFF2-40B4-BE49-F238E27FC236}">
+                  <a16:creationId xmlns:a16="http://schemas.microsoft.com/office/drawing/2014/main" id="{BFA339E7-9FB2-4624-BEEB-52F11997386F}"/>
+                </a:ext>
+              </a:extLst>
+            </p:cNvPr>
+            <p:cNvSpPr/>
+            <p:nvPr/>
+          </p:nvSpPr>
+          <p:spPr>
+            <a:xfrm>
+              <a:off x="5180327" y="2468768"/>
+              <a:ext cx="415312" cy="428504"/>
+            </a:xfrm>
+            <a:prstGeom prst="ellipse">
+              <a:avLst/>
+            </a:prstGeom>
+          </p:spPr>
+          <p:style>
+            <a:lnRef idx="2">
+              <a:schemeClr val="accent4">
+                <a:shade val="50000"/>
+              </a:schemeClr>
+            </a:lnRef>
+            <a:fillRef idx="1">
+              <a:schemeClr val="accent4"/>
+            </a:fillRef>
+            <a:effectRef idx="0">
+              <a:schemeClr val="accent4"/>
+            </a:effectRef>
+            <a:fontRef idx="minor">
+              <a:schemeClr val="lt1"/>
+            </a:fontRef>
+          </p:style>
+          <p:txBody>
+            <a:bodyPr rtlCol="0" anchor="ctr"/>
+            <a:lstStyle/>
+            <a:p>
+              <a:pPr algn="ctr"/>
+              <a:r>
+                <a:rPr lang="en-US" altLang="ja-JP" sz="800" dirty="0">
+                  <a:latin typeface="+mn-ea"/>
+                </a:rPr>
+                <a:t>8</a:t>
+              </a:r>
+              <a:endParaRPr kumimoji="1" lang="ja-JP" altLang="en-US" sz="800" dirty="0">
+                <a:latin typeface="+mn-ea"/>
+              </a:endParaRPr>
+            </a:p>
+          </p:txBody>
+        </p:sp>
+        <p:sp>
+          <p:nvSpPr>
+            <p:cNvPr id="39" name="楕円 38">
+              <a:extLst>
+                <a:ext uri="{FF2B5EF4-FFF2-40B4-BE49-F238E27FC236}">
+                  <a16:creationId xmlns:a16="http://schemas.microsoft.com/office/drawing/2014/main" id="{2020ADF7-A2D5-461A-9EB9-07EBCDA8EB11}"/>
+                </a:ext>
+              </a:extLst>
+            </p:cNvPr>
+            <p:cNvSpPr/>
+            <p:nvPr/>
+          </p:nvSpPr>
+          <p:spPr>
+            <a:xfrm>
+              <a:off x="6589961" y="1384075"/>
+              <a:ext cx="415312" cy="428504"/>
+            </a:xfrm>
+            <a:prstGeom prst="ellipse">
+              <a:avLst/>
+            </a:prstGeom>
+          </p:spPr>
+          <p:style>
+            <a:lnRef idx="2">
+              <a:schemeClr val="accent1">
+                <a:shade val="50000"/>
+              </a:schemeClr>
+            </a:lnRef>
+            <a:fillRef idx="1">
+              <a:schemeClr val="accent1"/>
+            </a:fillRef>
+            <a:effectRef idx="0">
+              <a:schemeClr val="accent1"/>
+            </a:effectRef>
+            <a:fontRef idx="minor">
+              <a:schemeClr val="lt1"/>
+            </a:fontRef>
+          </p:style>
+          <p:txBody>
+            <a:bodyPr rtlCol="0" anchor="ctr"/>
+            <a:lstStyle/>
+            <a:p>
+              <a:pPr algn="ctr"/>
+              <a:r>
+                <a:rPr kumimoji="1" lang="en-US" altLang="ja-JP" sz="800" dirty="0">
+                  <a:latin typeface="+mn-ea"/>
+                </a:rPr>
+                <a:t>11</a:t>
+              </a:r>
+              <a:endParaRPr kumimoji="1" lang="ja-JP" altLang="en-US" sz="800" dirty="0">
+                <a:latin typeface="+mn-ea"/>
+              </a:endParaRPr>
+            </a:p>
+          </p:txBody>
+        </p:sp>
+        <p:sp>
+          <p:nvSpPr>
+            <p:cNvPr id="40" name="テキスト ボックス 39">
+              <a:extLst>
+                <a:ext uri="{FF2B5EF4-FFF2-40B4-BE49-F238E27FC236}">
+                  <a16:creationId xmlns:a16="http://schemas.microsoft.com/office/drawing/2014/main" id="{1CEDC6D7-EA94-4A00-8C73-E0A26B487F32}"/>
+                </a:ext>
+              </a:extLst>
+            </p:cNvPr>
+            <p:cNvSpPr txBox="1"/>
+            <p:nvPr/>
+          </p:nvSpPr>
+          <p:spPr>
+            <a:xfrm>
+              <a:off x="3041488" y="2023227"/>
+              <a:ext cx="740524" cy="318183"/>
+            </a:xfrm>
+            <a:prstGeom prst="rect">
+              <a:avLst/>
+            </a:prstGeom>
+          </p:spPr>
+          <p:style>
+            <a:lnRef idx="2">
+              <a:schemeClr val="dk1"/>
+            </a:lnRef>
+            <a:fillRef idx="1">
+              <a:schemeClr val="lt1"/>
+            </a:fillRef>
+            <a:effectRef idx="0">
+              <a:schemeClr val="dk1"/>
+            </a:effectRef>
+            <a:fontRef idx="minor">
+              <a:schemeClr val="dk1"/>
+            </a:fontRef>
+          </p:style>
+          <p:txBody>
+            <a:bodyPr wrap="square" rtlCol="0" anchor="ctr">
+              <a:spAutoFit/>
+            </a:bodyPr>
+            <a:lstStyle/>
+            <a:p>
+              <a:pPr algn="ctr"/>
+              <a:r>
+                <a:rPr lang="ja-JP" altLang="en-US" sz="1100" dirty="0"/>
+                <a:t>コピー</a:t>
+              </a:r>
+              <a:endParaRPr kumimoji="1" lang="ja-JP" altLang="en-US" sz="1100" dirty="0"/>
+            </a:p>
+          </p:txBody>
+        </p:sp>
+        <p:cxnSp>
+          <p:nvCxnSpPr>
+            <p:cNvPr id="26" name="直線矢印コネクタ 25">
+              <a:extLst>
+                <a:ext uri="{FF2B5EF4-FFF2-40B4-BE49-F238E27FC236}">
+                  <a16:creationId xmlns:a16="http://schemas.microsoft.com/office/drawing/2014/main" id="{BCDDFD2C-CFD5-4801-9DFA-77760F4982F7}"/>
+                </a:ext>
+              </a:extLst>
+            </p:cNvPr>
+            <p:cNvCxnSpPr>
+              <a:cxnSpLocks/>
+              <a:stCxn id="21" idx="4"/>
+              <a:endCxn id="22" idx="1"/>
+            </p:cNvCxnSpPr>
+            <p:nvPr/>
+          </p:nvCxnSpPr>
+          <p:spPr>
+            <a:xfrm>
+              <a:off x="5069634" y="1833117"/>
+              <a:ext cx="171514" cy="698404"/>
+            </a:xfrm>
+            <a:prstGeom prst="straightConnector1">
+              <a:avLst/>
+            </a:prstGeom>
+            <a:ln>
+              <a:tailEnd type="triangle"/>
+            </a:ln>
+          </p:spPr>
+          <p:style>
+            <a:lnRef idx="1">
+              <a:schemeClr val="accent1"/>
+            </a:lnRef>
+            <a:fillRef idx="0">
+              <a:schemeClr val="accent1"/>
+            </a:fillRef>
+            <a:effectRef idx="0">
+              <a:schemeClr val="accent1"/>
+            </a:effectRef>
+            <a:fontRef idx="minor">
+              <a:schemeClr val="tx1"/>
+            </a:fontRef>
+          </p:style>
+        </p:cxnSp>
+        <p:sp>
+          <p:nvSpPr>
+            <p:cNvPr id="31" name="テキスト ボックス 30">
+              <a:extLst>
+                <a:ext uri="{FF2B5EF4-FFF2-40B4-BE49-F238E27FC236}">
+                  <a16:creationId xmlns:a16="http://schemas.microsoft.com/office/drawing/2014/main" id="{71A322EB-2B50-475A-86FD-B280B2F2F45C}"/>
+                </a:ext>
+              </a:extLst>
+            </p:cNvPr>
+            <p:cNvSpPr txBox="1"/>
+            <p:nvPr/>
+          </p:nvSpPr>
+          <p:spPr>
+            <a:xfrm>
+              <a:off x="4810065" y="1992881"/>
+              <a:ext cx="740524" cy="318183"/>
+            </a:xfrm>
+            <a:prstGeom prst="rect">
+              <a:avLst/>
+            </a:prstGeom>
+          </p:spPr>
+          <p:style>
+            <a:lnRef idx="2">
+              <a:schemeClr val="dk1"/>
+            </a:lnRef>
+            <a:fillRef idx="1">
+              <a:schemeClr val="lt1"/>
+            </a:fillRef>
+            <a:effectRef idx="0">
+              <a:schemeClr val="dk1"/>
+            </a:effectRef>
+            <a:fontRef idx="minor">
+              <a:schemeClr val="dk1"/>
+            </a:fontRef>
+          </p:style>
+          <p:txBody>
+            <a:bodyPr wrap="square" rtlCol="0" anchor="ctr">
+              <a:spAutoFit/>
+            </a:bodyPr>
+            <a:lstStyle/>
+            <a:p>
+              <a:pPr algn="ctr"/>
+              <a:r>
+                <a:rPr lang="ja-JP" altLang="en-US" sz="1100" dirty="0"/>
+                <a:t>マージ</a:t>
+              </a:r>
+              <a:endParaRPr kumimoji="1" lang="ja-JP" altLang="en-US" sz="1100" dirty="0"/>
+            </a:p>
+          </p:txBody>
+        </p:sp>
+        <p:sp>
+          <p:nvSpPr>
+            <p:cNvPr id="17" name="吹き出し: 四角形 16">
+              <a:extLst>
+                <a:ext uri="{FF2B5EF4-FFF2-40B4-BE49-F238E27FC236}">
+                  <a16:creationId xmlns:a16="http://schemas.microsoft.com/office/drawing/2014/main" id="{8FBCB349-FA09-4591-8B10-7CD91EE7FF61}"/>
+                </a:ext>
+              </a:extLst>
+            </p:cNvPr>
+            <p:cNvSpPr/>
+            <p:nvPr/>
+          </p:nvSpPr>
+          <p:spPr>
+            <a:xfrm>
+              <a:off x="4473947" y="3515879"/>
+              <a:ext cx="1876991" cy="360892"/>
+            </a:xfrm>
+            <a:prstGeom prst="wedgeRectCallout">
+              <a:avLst>
+                <a:gd name="adj1" fmla="val 40724"/>
+                <a:gd name="adj2" fmla="val -143234"/>
+              </a:avLst>
+            </a:prstGeom>
+          </p:spPr>
+          <p:style>
+            <a:lnRef idx="2">
+              <a:schemeClr val="dk1"/>
+            </a:lnRef>
+            <a:fillRef idx="1">
+              <a:schemeClr val="lt1"/>
+            </a:fillRef>
+            <a:effectRef idx="0">
+              <a:schemeClr val="dk1"/>
+            </a:effectRef>
+            <a:fontRef idx="minor">
+              <a:schemeClr val="dk1"/>
+            </a:fontRef>
+          </p:style>
+          <p:txBody>
+            <a:bodyPr rtlCol="0" anchor="ctr"/>
+            <a:lstStyle/>
+            <a:p>
+              <a:r>
+                <a:rPr kumimoji="1" lang="ja-JP" altLang="en-US" sz="1200" dirty="0"/>
+                <a:t>競合解決のためのコミット</a:t>
+              </a:r>
+            </a:p>
+          </p:txBody>
+        </p:sp>
+        <p:sp>
+          <p:nvSpPr>
+            <p:cNvPr id="29" name="楕円 28">
+              <a:extLst>
+                <a:ext uri="{FF2B5EF4-FFF2-40B4-BE49-F238E27FC236}">
+                  <a16:creationId xmlns:a16="http://schemas.microsoft.com/office/drawing/2014/main" id="{1D70E43A-72E1-4992-8086-D72EC62AD26F}"/>
+                </a:ext>
+              </a:extLst>
+            </p:cNvPr>
+            <p:cNvSpPr/>
+            <p:nvPr/>
+          </p:nvSpPr>
+          <p:spPr>
+            <a:xfrm>
+              <a:off x="5756544" y="2464879"/>
+              <a:ext cx="415312" cy="428504"/>
+            </a:xfrm>
+            <a:prstGeom prst="ellipse">
+              <a:avLst/>
+            </a:prstGeom>
+            <a:solidFill>
+              <a:schemeClr val="accent4">
+                <a:lumMod val="75000"/>
+              </a:schemeClr>
+            </a:solidFill>
+            <a:ln>
+              <a:solidFill>
+                <a:schemeClr val="accent4">
+                  <a:lumMod val="50000"/>
+                </a:schemeClr>
+              </a:solidFill>
+            </a:ln>
+          </p:spPr>
+          <p:style>
+            <a:lnRef idx="2">
+              <a:schemeClr val="accent6">
+                <a:shade val="50000"/>
+              </a:schemeClr>
+            </a:lnRef>
+            <a:fillRef idx="1">
+              <a:schemeClr val="accent6"/>
+            </a:fillRef>
+            <a:effectRef idx="0">
+              <a:schemeClr val="accent6"/>
+            </a:effectRef>
+            <a:fontRef idx="minor">
+              <a:schemeClr val="lt1"/>
+            </a:fontRef>
+          </p:style>
+          <p:txBody>
+            <a:bodyPr rtlCol="0" anchor="ctr"/>
+            <a:lstStyle/>
+            <a:p>
+              <a:pPr algn="ctr"/>
+              <a:r>
+                <a:rPr kumimoji="1" lang="en-US" altLang="ja-JP" sz="800" dirty="0">
+                  <a:latin typeface="+mn-ea"/>
+                </a:rPr>
+                <a:t>9</a:t>
+              </a:r>
+              <a:endParaRPr kumimoji="1" lang="ja-JP" altLang="en-US" sz="800" dirty="0">
+                <a:latin typeface="+mn-ea"/>
+              </a:endParaRPr>
+            </a:p>
+          </p:txBody>
+        </p:sp>
+        <p:cxnSp>
+          <p:nvCxnSpPr>
+            <p:cNvPr id="30" name="直線矢印コネクタ 29">
+              <a:extLst>
+                <a:ext uri="{FF2B5EF4-FFF2-40B4-BE49-F238E27FC236}">
+                  <a16:creationId xmlns:a16="http://schemas.microsoft.com/office/drawing/2014/main" id="{B4C16F88-FEAC-4A6E-ADCF-457507467A34}"/>
+                </a:ext>
+              </a:extLst>
+            </p:cNvPr>
+            <p:cNvCxnSpPr>
+              <a:cxnSpLocks/>
+              <a:stCxn id="36" idx="0"/>
+              <a:endCxn id="39" idx="3"/>
+            </p:cNvCxnSpPr>
+            <p:nvPr/>
+          </p:nvCxnSpPr>
+          <p:spPr>
+            <a:xfrm flipV="1">
+              <a:off x="6460720" y="1749826"/>
+              <a:ext cx="190062" cy="704704"/>
+            </a:xfrm>
+            <a:prstGeom prst="straightConnector1">
+              <a:avLst/>
+            </a:prstGeom>
+            <a:ln>
+              <a:tailEnd type="triangle"/>
+            </a:ln>
+          </p:spPr>
+          <p:style>
+            <a:lnRef idx="1">
+              <a:schemeClr val="accent1"/>
+            </a:lnRef>
+            <a:fillRef idx="0">
+              <a:schemeClr val="accent1"/>
+            </a:fillRef>
+            <a:effectRef idx="0">
+              <a:schemeClr val="accent1"/>
+            </a:effectRef>
+            <a:fontRef idx="minor">
+              <a:schemeClr val="tx1"/>
+            </a:fontRef>
+          </p:style>
+        </p:cxnSp>
+        <p:sp>
+          <p:nvSpPr>
+            <p:cNvPr id="34" name="テキスト ボックス 33">
+              <a:extLst>
+                <a:ext uri="{FF2B5EF4-FFF2-40B4-BE49-F238E27FC236}">
+                  <a16:creationId xmlns:a16="http://schemas.microsoft.com/office/drawing/2014/main" id="{DD509986-D3AC-4929-A923-0CDCC85C9BEB}"/>
+                </a:ext>
+              </a:extLst>
+            </p:cNvPr>
+            <p:cNvSpPr txBox="1"/>
+            <p:nvPr/>
+          </p:nvSpPr>
+          <p:spPr>
+            <a:xfrm>
+              <a:off x="6280409" y="1981741"/>
+              <a:ext cx="740524" cy="318183"/>
+            </a:xfrm>
+            <a:prstGeom prst="rect">
+              <a:avLst/>
+            </a:prstGeom>
+          </p:spPr>
+          <p:style>
+            <a:lnRef idx="2">
+              <a:schemeClr val="dk1"/>
+            </a:lnRef>
+            <a:fillRef idx="1">
+              <a:schemeClr val="lt1"/>
+            </a:fillRef>
+            <a:effectRef idx="0">
+              <a:schemeClr val="dk1"/>
+            </a:effectRef>
+            <a:fontRef idx="minor">
+              <a:schemeClr val="dk1"/>
+            </a:fontRef>
+          </p:style>
+          <p:txBody>
+            <a:bodyPr wrap="square" rtlCol="0" anchor="ctr">
+              <a:spAutoFit/>
+            </a:bodyPr>
+            <a:lstStyle/>
+            <a:p>
+              <a:pPr algn="ctr"/>
+              <a:r>
+                <a:rPr lang="ja-JP" altLang="en-US" sz="1100" dirty="0"/>
+                <a:t>マージ</a:t>
+              </a:r>
+              <a:endParaRPr kumimoji="1" lang="ja-JP" altLang="en-US" sz="1100" dirty="0"/>
+            </a:p>
+          </p:txBody>
+        </p:sp>
+        <p:sp>
+          <p:nvSpPr>
+            <p:cNvPr id="36" name="楕円 35">
+              <a:extLst>
+                <a:ext uri="{FF2B5EF4-FFF2-40B4-BE49-F238E27FC236}">
+                  <a16:creationId xmlns:a16="http://schemas.microsoft.com/office/drawing/2014/main" id="{444EA1BD-E2B8-4FBC-B09A-5F60DBAF0394}"/>
+                </a:ext>
+              </a:extLst>
+            </p:cNvPr>
+            <p:cNvSpPr/>
+            <p:nvPr/>
+          </p:nvSpPr>
+          <p:spPr>
+            <a:xfrm>
+              <a:off x="6253064" y="2454530"/>
+              <a:ext cx="415312" cy="428504"/>
+            </a:xfrm>
+            <a:prstGeom prst="ellipse">
+              <a:avLst/>
+            </a:prstGeom>
+            <a:solidFill>
+              <a:schemeClr val="accent4">
+                <a:lumMod val="75000"/>
+              </a:schemeClr>
+            </a:solidFill>
+            <a:ln>
+              <a:solidFill>
+                <a:schemeClr val="accent4">
+                  <a:lumMod val="50000"/>
+                </a:schemeClr>
+              </a:solidFill>
+            </a:ln>
+          </p:spPr>
+          <p:style>
+            <a:lnRef idx="2">
+              <a:schemeClr val="accent6">
+                <a:shade val="50000"/>
+              </a:schemeClr>
+            </a:lnRef>
+            <a:fillRef idx="1">
+              <a:schemeClr val="accent6"/>
+            </a:fillRef>
+            <a:effectRef idx="0">
+              <a:schemeClr val="accent6"/>
+            </a:effectRef>
+            <a:fontRef idx="minor">
+              <a:schemeClr val="lt1"/>
+            </a:fontRef>
+          </p:style>
+          <p:txBody>
+            <a:bodyPr rtlCol="0" anchor="ctr"/>
+            <a:lstStyle/>
+            <a:p>
+              <a:pPr algn="ctr"/>
+              <a:r>
+                <a:rPr kumimoji="1" lang="en-US" altLang="ja-JP" sz="800" dirty="0">
+                  <a:latin typeface="+mn-ea"/>
+                </a:rPr>
+                <a:t>10</a:t>
+              </a:r>
+              <a:endParaRPr kumimoji="1" lang="ja-JP" altLang="en-US" sz="800" dirty="0">
+                <a:latin typeface="+mn-ea"/>
+              </a:endParaRPr>
+            </a:p>
+          </p:txBody>
+        </p:sp>
+        <p:sp>
+          <p:nvSpPr>
+            <p:cNvPr id="42" name="左中かっこ 41">
+              <a:extLst>
+                <a:ext uri="{FF2B5EF4-FFF2-40B4-BE49-F238E27FC236}">
+                  <a16:creationId xmlns:a16="http://schemas.microsoft.com/office/drawing/2014/main" id="{4C3EC8CD-2191-46DB-96BE-96454CB856A6}"/>
+                </a:ext>
+              </a:extLst>
+            </p:cNvPr>
+            <p:cNvSpPr/>
+            <p:nvPr/>
+          </p:nvSpPr>
+          <p:spPr>
+            <a:xfrm rot="16200000">
+              <a:off x="6110630" y="2557122"/>
+              <a:ext cx="186066" cy="894238"/>
+            </a:xfrm>
+            <a:prstGeom prst="leftBrace">
+              <a:avLst/>
+            </a:prstGeom>
+          </p:spPr>
+          <p:style>
+            <a:lnRef idx="1">
+              <a:schemeClr val="accent1"/>
+            </a:lnRef>
+            <a:fillRef idx="0">
+              <a:schemeClr val="accent1"/>
+            </a:fillRef>
+            <a:effectRef idx="0">
+              <a:schemeClr val="accent1"/>
+            </a:effectRef>
+            <a:fontRef idx="minor">
+              <a:schemeClr val="tx1"/>
+            </a:fontRef>
+          </p:style>
+          <p:txBody>
+            <a:bodyPr rtlCol="0" anchor="ctr"/>
+            <a:lstStyle/>
+            <a:p>
+              <a:pPr algn="ctr"/>
+              <a:endParaRPr kumimoji="1" lang="ja-JP" altLang="en-US"/>
+            </a:p>
+          </p:txBody>
+        </p:sp>
+      </p:grpSp>
+    </p:spTree>
+    <p:extLst>
+      <p:ext uri="{BB962C8B-B14F-4D97-AF65-F5344CB8AC3E}">
+        <p14:creationId xmlns:p14="http://schemas.microsoft.com/office/powerpoint/2010/main" val="1011402692"/>
+      </p:ext>
+    </p:extLst>
+  </p:cSld>
+  <p:clrMapOvr>
+    <a:masterClrMapping/>
+  </p:clrMapOvr>
+</p:sld>
+</file>
+
 <file path=ppt/theme/theme1.xml><?xml version="1.0" encoding="utf-8"?>
 <a:theme xmlns:a="http://schemas.openxmlformats.org/drawingml/2006/main" name="Office テーマ">
   <a:themeElements>

--- a/pptx/chapter-15.pptx
+++ b/pptx/chapter-15.pptx
@@ -8,6 +8,7 @@
     <p:sldId id="265" r:id="rId2"/>
     <p:sldId id="266" r:id="rId3"/>
     <p:sldId id="267" r:id="rId4"/>
+    <p:sldId id="268" r:id="rId5"/>
   </p:sldIdLst>
   <p:sldSz cx="9144000" cy="6858000" type="screen4x3"/>
   <p:notesSz cx="6858000" cy="9144000"/>
@@ -7348,6 +7349,1429 @@
 </p:sld>
 </file>
 
+<file path=ppt/slides/slide4.xml><?xml version="1.0" encoding="utf-8"?>
+<p:sld xmlns:a="http://schemas.openxmlformats.org/drawingml/2006/main" xmlns:r="http://schemas.openxmlformats.org/officeDocument/2006/relationships" xmlns:p="http://schemas.openxmlformats.org/presentationml/2006/main">
+  <p:cSld>
+    <p:spTree>
+      <p:nvGrpSpPr>
+        <p:cNvPr id="1" name=""/>
+        <p:cNvGrpSpPr/>
+        <p:nvPr/>
+      </p:nvGrpSpPr>
+      <p:grpSpPr>
+        <a:xfrm>
+          <a:off x="0" y="0"/>
+          <a:ext cx="0" cy="0"/>
+          <a:chOff x="0" y="0"/>
+          <a:chExt cx="0" cy="0"/>
+        </a:xfrm>
+      </p:grpSpPr>
+      <p:grpSp>
+        <p:nvGrpSpPr>
+          <p:cNvPr id="85" name="グループ化 84">
+            <a:extLst>
+              <a:ext uri="{FF2B5EF4-FFF2-40B4-BE49-F238E27FC236}">
+                <a16:creationId xmlns:a16="http://schemas.microsoft.com/office/drawing/2014/main" id="{25D24279-3CAB-4C21-943A-2FDED89B1196}"/>
+              </a:ext>
+            </a:extLst>
+          </p:cNvPr>
+          <p:cNvGrpSpPr/>
+          <p:nvPr/>
+        </p:nvGrpSpPr>
+        <p:grpSpPr>
+          <a:xfrm>
+            <a:off x="231029" y="648484"/>
+            <a:ext cx="6889049" cy="4546970"/>
+            <a:chOff x="205862" y="656873"/>
+            <a:chExt cx="6889049" cy="4546970"/>
+          </a:xfrm>
+        </p:grpSpPr>
+        <p:cxnSp>
+          <p:nvCxnSpPr>
+            <p:cNvPr id="78" name="直線コネクタ 77">
+              <a:extLst>
+                <a:ext uri="{FF2B5EF4-FFF2-40B4-BE49-F238E27FC236}">
+                  <a16:creationId xmlns:a16="http://schemas.microsoft.com/office/drawing/2014/main" id="{DB2EE755-0658-42EE-AF49-C51F1455C693}"/>
+                </a:ext>
+              </a:extLst>
+            </p:cNvPr>
+            <p:cNvCxnSpPr>
+              <a:cxnSpLocks/>
+            </p:cNvCxnSpPr>
+            <p:nvPr/>
+          </p:nvCxnSpPr>
+          <p:spPr>
+            <a:xfrm>
+              <a:off x="5552019" y="2597016"/>
+              <a:ext cx="0" cy="823146"/>
+            </a:xfrm>
+            <a:prstGeom prst="line">
+              <a:avLst/>
+            </a:prstGeom>
+            <a:ln>
+              <a:prstDash val="lgDash"/>
+            </a:ln>
+          </p:spPr>
+          <p:style>
+            <a:lnRef idx="1">
+              <a:schemeClr val="accent1"/>
+            </a:lnRef>
+            <a:fillRef idx="0">
+              <a:schemeClr val="accent1"/>
+            </a:fillRef>
+            <a:effectRef idx="0">
+              <a:schemeClr val="accent1"/>
+            </a:effectRef>
+            <a:fontRef idx="minor">
+              <a:schemeClr val="tx1"/>
+            </a:fontRef>
+          </p:style>
+        </p:cxnSp>
+        <p:cxnSp>
+          <p:nvCxnSpPr>
+            <p:cNvPr id="63" name="直線コネクタ 62">
+              <a:extLst>
+                <a:ext uri="{FF2B5EF4-FFF2-40B4-BE49-F238E27FC236}">
+                  <a16:creationId xmlns:a16="http://schemas.microsoft.com/office/drawing/2014/main" id="{CA9127EC-91B5-4FC1-AF8E-CC81DBDA3B73}"/>
+                </a:ext>
+              </a:extLst>
+            </p:cNvPr>
+            <p:cNvCxnSpPr>
+              <a:cxnSpLocks/>
+            </p:cNvCxnSpPr>
+            <p:nvPr/>
+          </p:nvCxnSpPr>
+          <p:spPr>
+            <a:xfrm>
+              <a:off x="3318268" y="2597016"/>
+              <a:ext cx="0" cy="823146"/>
+            </a:xfrm>
+            <a:prstGeom prst="line">
+              <a:avLst/>
+            </a:prstGeom>
+            <a:ln>
+              <a:prstDash val="lgDash"/>
+            </a:ln>
+          </p:spPr>
+          <p:style>
+            <a:lnRef idx="1">
+              <a:schemeClr val="accent1"/>
+            </a:lnRef>
+            <a:fillRef idx="0">
+              <a:schemeClr val="accent1"/>
+            </a:fillRef>
+            <a:effectRef idx="0">
+              <a:schemeClr val="accent1"/>
+            </a:effectRef>
+            <a:fontRef idx="minor">
+              <a:schemeClr val="tx1"/>
+            </a:fontRef>
+          </p:style>
+        </p:cxnSp>
+        <p:cxnSp>
+          <p:nvCxnSpPr>
+            <p:cNvPr id="3" name="直線コネクタ 2">
+              <a:extLst>
+                <a:ext uri="{FF2B5EF4-FFF2-40B4-BE49-F238E27FC236}">
+                  <a16:creationId xmlns:a16="http://schemas.microsoft.com/office/drawing/2014/main" id="{FD00448C-5501-4C6B-A401-600B1BE0FEF3}"/>
+                </a:ext>
+              </a:extLst>
+            </p:cNvPr>
+            <p:cNvCxnSpPr>
+              <a:cxnSpLocks/>
+            </p:cNvCxnSpPr>
+            <p:nvPr/>
+          </p:nvCxnSpPr>
+          <p:spPr>
+            <a:xfrm>
+              <a:off x="1782385" y="1608675"/>
+              <a:ext cx="5312526" cy="0"/>
+            </a:xfrm>
+            <a:prstGeom prst="line">
+              <a:avLst/>
+            </a:prstGeom>
+          </p:spPr>
+          <p:style>
+            <a:lnRef idx="1">
+              <a:schemeClr val="accent1"/>
+            </a:lnRef>
+            <a:fillRef idx="0">
+              <a:schemeClr val="accent1"/>
+            </a:fillRef>
+            <a:effectRef idx="0">
+              <a:schemeClr val="accent1"/>
+            </a:effectRef>
+            <a:fontRef idx="minor">
+              <a:schemeClr val="tx1"/>
+            </a:fontRef>
+          </p:style>
+        </p:cxnSp>
+        <p:sp>
+          <p:nvSpPr>
+            <p:cNvPr id="4" name="テキスト ボックス 3">
+              <a:extLst>
+                <a:ext uri="{FF2B5EF4-FFF2-40B4-BE49-F238E27FC236}">
+                  <a16:creationId xmlns:a16="http://schemas.microsoft.com/office/drawing/2014/main" id="{B25FBA0E-4990-4903-8B69-29BA86E48724}"/>
+                </a:ext>
+              </a:extLst>
+            </p:cNvPr>
+            <p:cNvSpPr txBox="1"/>
+            <p:nvPr/>
+          </p:nvSpPr>
+          <p:spPr>
+            <a:xfrm>
+              <a:off x="851274" y="1421237"/>
+              <a:ext cx="1068022" cy="449200"/>
+            </a:xfrm>
+            <a:prstGeom prst="rect">
+              <a:avLst/>
+            </a:prstGeom>
+            <a:noFill/>
+          </p:spPr>
+          <p:txBody>
+            <a:bodyPr wrap="none" rtlCol="0">
+              <a:spAutoFit/>
+            </a:bodyPr>
+            <a:lstStyle/>
+            <a:p>
+              <a:r>
+                <a:rPr kumimoji="1" lang="ja-JP" altLang="en-US" dirty="0"/>
+                <a:t>トランク</a:t>
+              </a:r>
+            </a:p>
+          </p:txBody>
+        </p:sp>
+        <p:sp>
+          <p:nvSpPr>
+            <p:cNvPr id="5" name="楕円 4">
+              <a:extLst>
+                <a:ext uri="{FF2B5EF4-FFF2-40B4-BE49-F238E27FC236}">
+                  <a16:creationId xmlns:a16="http://schemas.microsoft.com/office/drawing/2014/main" id="{27EDFB32-3C8B-438B-96FD-16D08AD5E641}"/>
+                </a:ext>
+              </a:extLst>
+            </p:cNvPr>
+            <p:cNvSpPr/>
+            <p:nvPr/>
+          </p:nvSpPr>
+          <p:spPr>
+            <a:xfrm>
+              <a:off x="1917759" y="1425309"/>
+              <a:ext cx="415312" cy="428504"/>
+            </a:xfrm>
+            <a:prstGeom prst="ellipse">
+              <a:avLst/>
+            </a:prstGeom>
+          </p:spPr>
+          <p:style>
+            <a:lnRef idx="2">
+              <a:schemeClr val="accent1">
+                <a:shade val="50000"/>
+              </a:schemeClr>
+            </a:lnRef>
+            <a:fillRef idx="1">
+              <a:schemeClr val="accent1"/>
+            </a:fillRef>
+            <a:effectRef idx="0">
+              <a:schemeClr val="accent1"/>
+            </a:effectRef>
+            <a:fontRef idx="minor">
+              <a:schemeClr val="lt1"/>
+            </a:fontRef>
+          </p:style>
+          <p:txBody>
+            <a:bodyPr rtlCol="0" anchor="ctr"/>
+            <a:lstStyle/>
+            <a:p>
+              <a:pPr algn="ctr"/>
+              <a:r>
+                <a:rPr kumimoji="1" lang="en-US" altLang="ja-JP" sz="800" dirty="0">
+                  <a:latin typeface="+mn-ea"/>
+                </a:rPr>
+                <a:t>1</a:t>
+              </a:r>
+              <a:endParaRPr kumimoji="1" lang="ja-JP" altLang="en-US" sz="800" dirty="0">
+                <a:latin typeface="+mn-ea"/>
+              </a:endParaRPr>
+            </a:p>
+          </p:txBody>
+        </p:sp>
+        <p:sp>
+          <p:nvSpPr>
+            <p:cNvPr id="6" name="楕円 5">
+              <a:extLst>
+                <a:ext uri="{FF2B5EF4-FFF2-40B4-BE49-F238E27FC236}">
+                  <a16:creationId xmlns:a16="http://schemas.microsoft.com/office/drawing/2014/main" id="{A978A2B4-02F6-4C9A-BA5F-DE0B90A9A49B}"/>
+                </a:ext>
+              </a:extLst>
+            </p:cNvPr>
+            <p:cNvSpPr/>
+            <p:nvPr/>
+          </p:nvSpPr>
+          <p:spPr>
+            <a:xfrm>
+              <a:off x="3465760" y="1406845"/>
+              <a:ext cx="415312" cy="428504"/>
+            </a:xfrm>
+            <a:prstGeom prst="ellipse">
+              <a:avLst/>
+            </a:prstGeom>
+          </p:spPr>
+          <p:style>
+            <a:lnRef idx="2">
+              <a:schemeClr val="accent1">
+                <a:shade val="50000"/>
+              </a:schemeClr>
+            </a:lnRef>
+            <a:fillRef idx="1">
+              <a:schemeClr val="accent1"/>
+            </a:fillRef>
+            <a:effectRef idx="0">
+              <a:schemeClr val="accent1"/>
+            </a:effectRef>
+            <a:fontRef idx="minor">
+              <a:schemeClr val="lt1"/>
+            </a:fontRef>
+          </p:style>
+          <p:txBody>
+            <a:bodyPr rtlCol="0" anchor="ctr"/>
+            <a:lstStyle/>
+            <a:p>
+              <a:pPr algn="ctr"/>
+              <a:r>
+                <a:rPr kumimoji="1" lang="en-US" altLang="ja-JP" sz="800" dirty="0">
+                  <a:latin typeface="+mn-ea"/>
+                </a:rPr>
+                <a:t>4</a:t>
+              </a:r>
+              <a:endParaRPr kumimoji="1" lang="ja-JP" altLang="en-US" sz="800" dirty="0">
+                <a:latin typeface="+mn-ea"/>
+              </a:endParaRPr>
+            </a:p>
+          </p:txBody>
+        </p:sp>
+        <p:sp>
+          <p:nvSpPr>
+            <p:cNvPr id="7" name="楕円 6">
+              <a:extLst>
+                <a:ext uri="{FF2B5EF4-FFF2-40B4-BE49-F238E27FC236}">
+                  <a16:creationId xmlns:a16="http://schemas.microsoft.com/office/drawing/2014/main" id="{CE5ADD3B-9A1B-4772-AB82-727DA1DED57E}"/>
+                </a:ext>
+              </a:extLst>
+            </p:cNvPr>
+            <p:cNvSpPr/>
+            <p:nvPr/>
+          </p:nvSpPr>
+          <p:spPr>
+            <a:xfrm>
+              <a:off x="4109088" y="1410616"/>
+              <a:ext cx="415312" cy="428504"/>
+            </a:xfrm>
+            <a:prstGeom prst="ellipse">
+              <a:avLst/>
+            </a:prstGeom>
+          </p:spPr>
+          <p:style>
+            <a:lnRef idx="2">
+              <a:schemeClr val="accent5">
+                <a:shade val="50000"/>
+              </a:schemeClr>
+            </a:lnRef>
+            <a:fillRef idx="1">
+              <a:schemeClr val="accent5"/>
+            </a:fillRef>
+            <a:effectRef idx="0">
+              <a:schemeClr val="accent5"/>
+            </a:effectRef>
+            <a:fontRef idx="minor">
+              <a:schemeClr val="lt1"/>
+            </a:fontRef>
+          </p:style>
+          <p:txBody>
+            <a:bodyPr rtlCol="0" anchor="ctr"/>
+            <a:lstStyle/>
+            <a:p>
+              <a:pPr algn="ctr"/>
+              <a:r>
+                <a:rPr kumimoji="1" lang="en-US" altLang="ja-JP" sz="800" dirty="0">
+                  <a:latin typeface="+mn-ea"/>
+                </a:rPr>
+                <a:t>5</a:t>
+              </a:r>
+              <a:endParaRPr kumimoji="1" lang="ja-JP" altLang="en-US" sz="800" dirty="0">
+                <a:latin typeface="+mn-ea"/>
+              </a:endParaRPr>
+            </a:p>
+          </p:txBody>
+        </p:sp>
+        <p:cxnSp>
+          <p:nvCxnSpPr>
+            <p:cNvPr id="8" name="直線コネクタ 7">
+              <a:extLst>
+                <a:ext uri="{FF2B5EF4-FFF2-40B4-BE49-F238E27FC236}">
+                  <a16:creationId xmlns:a16="http://schemas.microsoft.com/office/drawing/2014/main" id="{0D334BA3-DA27-4830-A750-0BAECFF5D499}"/>
+                </a:ext>
+              </a:extLst>
+            </p:cNvPr>
+            <p:cNvCxnSpPr>
+              <a:cxnSpLocks/>
+            </p:cNvCxnSpPr>
+            <p:nvPr/>
+          </p:nvCxnSpPr>
+          <p:spPr>
+            <a:xfrm>
+              <a:off x="2025430" y="4318132"/>
+              <a:ext cx="3683160" cy="0"/>
+            </a:xfrm>
+            <a:prstGeom prst="line">
+              <a:avLst/>
+            </a:prstGeom>
+          </p:spPr>
+          <p:style>
+            <a:lnRef idx="1">
+              <a:schemeClr val="accent1"/>
+            </a:lnRef>
+            <a:fillRef idx="0">
+              <a:schemeClr val="accent1"/>
+            </a:fillRef>
+            <a:effectRef idx="0">
+              <a:schemeClr val="accent1"/>
+            </a:effectRef>
+            <a:fontRef idx="minor">
+              <a:schemeClr val="tx1"/>
+            </a:fontRef>
+          </p:style>
+        </p:cxnSp>
+        <p:sp>
+          <p:nvSpPr>
+            <p:cNvPr id="9" name="テキスト ボックス 8">
+              <a:extLst>
+                <a:ext uri="{FF2B5EF4-FFF2-40B4-BE49-F238E27FC236}">
+                  <a16:creationId xmlns:a16="http://schemas.microsoft.com/office/drawing/2014/main" id="{0A89AACF-C72A-4422-A63D-91884E0753FF}"/>
+                </a:ext>
+              </a:extLst>
+            </p:cNvPr>
+            <p:cNvSpPr txBox="1"/>
+            <p:nvPr/>
+          </p:nvSpPr>
+          <p:spPr>
+            <a:xfrm>
+              <a:off x="205862" y="4123117"/>
+              <a:ext cx="1869423" cy="369332"/>
+            </a:xfrm>
+            <a:prstGeom prst="rect">
+              <a:avLst/>
+            </a:prstGeom>
+            <a:noFill/>
+          </p:spPr>
+          <p:txBody>
+            <a:bodyPr wrap="none" rtlCol="0">
+              <a:spAutoFit/>
+            </a:bodyPr>
+            <a:lstStyle/>
+            <a:p>
+              <a:r>
+                <a:rPr kumimoji="1" lang="ja-JP" altLang="en-US" dirty="0"/>
+                <a:t>ベンダーブランチ</a:t>
+              </a:r>
+            </a:p>
+          </p:txBody>
+        </p:sp>
+        <p:sp>
+          <p:nvSpPr>
+            <p:cNvPr id="21" name="楕円 20">
+              <a:extLst>
+                <a:ext uri="{FF2B5EF4-FFF2-40B4-BE49-F238E27FC236}">
+                  <a16:creationId xmlns:a16="http://schemas.microsoft.com/office/drawing/2014/main" id="{FCF0B23B-031E-46C5-9598-B086126419BB}"/>
+                </a:ext>
+              </a:extLst>
+            </p:cNvPr>
+            <p:cNvSpPr/>
+            <p:nvPr/>
+          </p:nvSpPr>
+          <p:spPr>
+            <a:xfrm>
+              <a:off x="4598100" y="1404613"/>
+              <a:ext cx="415312" cy="428504"/>
+            </a:xfrm>
+            <a:prstGeom prst="ellipse">
+              <a:avLst/>
+            </a:prstGeom>
+          </p:spPr>
+          <p:style>
+            <a:lnRef idx="2">
+              <a:schemeClr val="accent1">
+                <a:shade val="50000"/>
+              </a:schemeClr>
+            </a:lnRef>
+            <a:fillRef idx="1">
+              <a:schemeClr val="accent1"/>
+            </a:fillRef>
+            <a:effectRef idx="0">
+              <a:schemeClr val="accent1"/>
+            </a:effectRef>
+            <a:fontRef idx="minor">
+              <a:schemeClr val="lt1"/>
+            </a:fontRef>
+          </p:style>
+          <p:txBody>
+            <a:bodyPr rtlCol="0" anchor="ctr"/>
+            <a:lstStyle/>
+            <a:p>
+              <a:pPr algn="ctr"/>
+              <a:r>
+                <a:rPr kumimoji="1" lang="en-US" altLang="ja-JP" sz="800" dirty="0">
+                  <a:latin typeface="+mn-ea"/>
+                </a:rPr>
+                <a:t>6</a:t>
+              </a:r>
+              <a:endParaRPr kumimoji="1" lang="ja-JP" altLang="en-US" sz="800" dirty="0">
+                <a:latin typeface="+mn-ea"/>
+              </a:endParaRPr>
+            </a:p>
+          </p:txBody>
+        </p:sp>
+        <p:sp>
+          <p:nvSpPr>
+            <p:cNvPr id="22" name="楕円 21">
+              <a:extLst>
+                <a:ext uri="{FF2B5EF4-FFF2-40B4-BE49-F238E27FC236}">
+                  <a16:creationId xmlns:a16="http://schemas.microsoft.com/office/drawing/2014/main" id="{BFA339E7-9FB2-4624-BEEB-52F11997386F}"/>
+                </a:ext>
+              </a:extLst>
+            </p:cNvPr>
+            <p:cNvSpPr/>
+            <p:nvPr/>
+          </p:nvSpPr>
+          <p:spPr>
+            <a:xfrm>
+              <a:off x="2303379" y="4103880"/>
+              <a:ext cx="415312" cy="428504"/>
+            </a:xfrm>
+            <a:prstGeom prst="ellipse">
+              <a:avLst/>
+            </a:prstGeom>
+          </p:spPr>
+          <p:style>
+            <a:lnRef idx="2">
+              <a:schemeClr val="accent4">
+                <a:shade val="50000"/>
+              </a:schemeClr>
+            </a:lnRef>
+            <a:fillRef idx="1">
+              <a:schemeClr val="accent4"/>
+            </a:fillRef>
+            <a:effectRef idx="0">
+              <a:schemeClr val="accent4"/>
+            </a:effectRef>
+            <a:fontRef idx="minor">
+              <a:schemeClr val="lt1"/>
+            </a:fontRef>
+          </p:style>
+          <p:txBody>
+            <a:bodyPr rtlCol="0" anchor="ctr"/>
+            <a:lstStyle/>
+            <a:p>
+              <a:pPr algn="ctr"/>
+              <a:r>
+                <a:rPr kumimoji="1" lang="en-US" altLang="ja-JP" sz="800" dirty="0">
+                  <a:latin typeface="+mn-ea"/>
+                </a:rPr>
+                <a:t>2</a:t>
+              </a:r>
+              <a:endParaRPr kumimoji="1" lang="ja-JP" altLang="en-US" sz="800" dirty="0">
+                <a:latin typeface="+mn-ea"/>
+              </a:endParaRPr>
+            </a:p>
+          </p:txBody>
+        </p:sp>
+        <p:cxnSp>
+          <p:nvCxnSpPr>
+            <p:cNvPr id="37" name="直線矢印コネクタ 36">
+              <a:extLst>
+                <a:ext uri="{FF2B5EF4-FFF2-40B4-BE49-F238E27FC236}">
+                  <a16:creationId xmlns:a16="http://schemas.microsoft.com/office/drawing/2014/main" id="{4727D796-67B8-4D2E-A877-239AE8615D11}"/>
+                </a:ext>
+              </a:extLst>
+            </p:cNvPr>
+            <p:cNvCxnSpPr>
+              <a:cxnSpLocks/>
+              <a:stCxn id="22" idx="0"/>
+              <a:endCxn id="6" idx="3"/>
+            </p:cNvCxnSpPr>
+            <p:nvPr/>
+          </p:nvCxnSpPr>
+          <p:spPr>
+            <a:xfrm flipV="1">
+              <a:off x="2511035" y="1772596"/>
+              <a:ext cx="1015546" cy="2331284"/>
+            </a:xfrm>
+            <a:prstGeom prst="straightConnector1">
+              <a:avLst/>
+            </a:prstGeom>
+            <a:ln>
+              <a:tailEnd type="triangle"/>
+            </a:ln>
+          </p:spPr>
+          <p:style>
+            <a:lnRef idx="1">
+              <a:schemeClr val="accent1"/>
+            </a:lnRef>
+            <a:fillRef idx="0">
+              <a:schemeClr val="accent1"/>
+            </a:fillRef>
+            <a:effectRef idx="0">
+              <a:schemeClr val="accent1"/>
+            </a:effectRef>
+            <a:fontRef idx="minor">
+              <a:schemeClr val="tx1"/>
+            </a:fontRef>
+          </p:style>
+        </p:cxnSp>
+        <p:sp>
+          <p:nvSpPr>
+            <p:cNvPr id="34" name="テキスト ボックス 33">
+              <a:extLst>
+                <a:ext uri="{FF2B5EF4-FFF2-40B4-BE49-F238E27FC236}">
+                  <a16:creationId xmlns:a16="http://schemas.microsoft.com/office/drawing/2014/main" id="{E3EF4170-D301-4C31-BB45-CDE26DF127A9}"/>
+                </a:ext>
+              </a:extLst>
+            </p:cNvPr>
+            <p:cNvSpPr txBox="1"/>
+            <p:nvPr/>
+          </p:nvSpPr>
+          <p:spPr>
+            <a:xfrm>
+              <a:off x="2928010" y="2047369"/>
+              <a:ext cx="740524" cy="318183"/>
+            </a:xfrm>
+            <a:prstGeom prst="rect">
+              <a:avLst/>
+            </a:prstGeom>
+          </p:spPr>
+          <p:style>
+            <a:lnRef idx="2">
+              <a:schemeClr val="dk1"/>
+            </a:lnRef>
+            <a:fillRef idx="1">
+              <a:schemeClr val="lt1"/>
+            </a:fillRef>
+            <a:effectRef idx="0">
+              <a:schemeClr val="dk1"/>
+            </a:effectRef>
+            <a:fontRef idx="minor">
+              <a:schemeClr val="dk1"/>
+            </a:fontRef>
+          </p:style>
+          <p:txBody>
+            <a:bodyPr wrap="square" rtlCol="0" anchor="ctr">
+              <a:spAutoFit/>
+            </a:bodyPr>
+            <a:lstStyle/>
+            <a:p>
+              <a:pPr algn="ctr"/>
+              <a:r>
+                <a:rPr lang="ja-JP" altLang="en-US" sz="1100" dirty="0"/>
+                <a:t>コピー</a:t>
+              </a:r>
+              <a:endParaRPr kumimoji="1" lang="ja-JP" altLang="en-US" sz="1100" dirty="0"/>
+            </a:p>
+          </p:txBody>
+        </p:sp>
+        <p:sp>
+          <p:nvSpPr>
+            <p:cNvPr id="35" name="楕円 34">
+              <a:extLst>
+                <a:ext uri="{FF2B5EF4-FFF2-40B4-BE49-F238E27FC236}">
+                  <a16:creationId xmlns:a16="http://schemas.microsoft.com/office/drawing/2014/main" id="{1A1343B5-4C3F-46FD-8BA4-119BAF4F353C}"/>
+                </a:ext>
+              </a:extLst>
+            </p:cNvPr>
+            <p:cNvSpPr/>
+            <p:nvPr/>
+          </p:nvSpPr>
+          <p:spPr>
+            <a:xfrm>
+              <a:off x="3109722" y="2991658"/>
+              <a:ext cx="415312" cy="428504"/>
+            </a:xfrm>
+            <a:prstGeom prst="ellipse">
+              <a:avLst/>
+            </a:prstGeom>
+            <a:solidFill>
+              <a:schemeClr val="tx1">
+                <a:lumMod val="50000"/>
+                <a:lumOff val="50000"/>
+              </a:schemeClr>
+            </a:solidFill>
+          </p:spPr>
+          <p:style>
+            <a:lnRef idx="2">
+              <a:schemeClr val="dk1">
+                <a:shade val="50000"/>
+              </a:schemeClr>
+            </a:lnRef>
+            <a:fillRef idx="1">
+              <a:schemeClr val="dk1"/>
+            </a:fillRef>
+            <a:effectRef idx="0">
+              <a:schemeClr val="dk1"/>
+            </a:effectRef>
+            <a:fontRef idx="minor">
+              <a:schemeClr val="lt1"/>
+            </a:fontRef>
+          </p:style>
+          <p:txBody>
+            <a:bodyPr rtlCol="0" anchor="ctr"/>
+            <a:lstStyle/>
+            <a:p>
+              <a:pPr algn="ctr"/>
+              <a:r>
+                <a:rPr kumimoji="1" lang="en-US" altLang="ja-JP" sz="800" dirty="0">
+                  <a:latin typeface="+mn-ea"/>
+                </a:rPr>
+                <a:t>3</a:t>
+              </a:r>
+              <a:endParaRPr kumimoji="1" lang="ja-JP" altLang="en-US" sz="800" dirty="0">
+                <a:latin typeface="+mn-ea"/>
+              </a:endParaRPr>
+            </a:p>
+          </p:txBody>
+        </p:sp>
+        <p:sp>
+          <p:nvSpPr>
+            <p:cNvPr id="36" name="テキスト ボックス 35">
+              <a:extLst>
+                <a:ext uri="{FF2B5EF4-FFF2-40B4-BE49-F238E27FC236}">
+                  <a16:creationId xmlns:a16="http://schemas.microsoft.com/office/drawing/2014/main" id="{C8893F42-FE7C-4C72-9CD6-1582BF0CBAC5}"/>
+                </a:ext>
+              </a:extLst>
+            </p:cNvPr>
+            <p:cNvSpPr txBox="1"/>
+            <p:nvPr/>
+          </p:nvSpPr>
+          <p:spPr>
+            <a:xfrm>
+              <a:off x="3311654" y="3345277"/>
+              <a:ext cx="800219" cy="369332"/>
+            </a:xfrm>
+            <a:prstGeom prst="rect">
+              <a:avLst/>
+            </a:prstGeom>
+            <a:noFill/>
+          </p:spPr>
+          <p:txBody>
+            <a:bodyPr wrap="none" rtlCol="0">
+              <a:spAutoFit/>
+            </a:bodyPr>
+            <a:lstStyle/>
+            <a:p>
+              <a:r>
+                <a:rPr kumimoji="1" lang="en-US" altLang="ja-JP" dirty="0"/>
+                <a:t>v1</a:t>
+              </a:r>
+              <a:r>
+                <a:rPr kumimoji="1" lang="ja-JP" altLang="en-US" dirty="0"/>
+                <a:t>タグ</a:t>
+              </a:r>
+            </a:p>
+          </p:txBody>
+        </p:sp>
+        <p:cxnSp>
+          <p:nvCxnSpPr>
+            <p:cNvPr id="38" name="直線矢印コネクタ 37">
+              <a:extLst>
+                <a:ext uri="{FF2B5EF4-FFF2-40B4-BE49-F238E27FC236}">
+                  <a16:creationId xmlns:a16="http://schemas.microsoft.com/office/drawing/2014/main" id="{B21EC264-EC12-44EB-AFE7-00DE68C27B1A}"/>
+                </a:ext>
+              </a:extLst>
+            </p:cNvPr>
+            <p:cNvCxnSpPr>
+              <a:cxnSpLocks/>
+              <a:stCxn id="22" idx="7"/>
+              <a:endCxn id="35" idx="3"/>
+            </p:cNvCxnSpPr>
+            <p:nvPr/>
+          </p:nvCxnSpPr>
+          <p:spPr>
+            <a:xfrm flipV="1">
+              <a:off x="2657870" y="3357409"/>
+              <a:ext cx="512673" cy="809224"/>
+            </a:xfrm>
+            <a:prstGeom prst="straightConnector1">
+              <a:avLst/>
+            </a:prstGeom>
+            <a:ln>
+              <a:tailEnd type="triangle"/>
+            </a:ln>
+          </p:spPr>
+          <p:style>
+            <a:lnRef idx="1">
+              <a:schemeClr val="accent1"/>
+            </a:lnRef>
+            <a:fillRef idx="0">
+              <a:schemeClr val="accent1"/>
+            </a:fillRef>
+            <a:effectRef idx="0">
+              <a:schemeClr val="accent1"/>
+            </a:effectRef>
+            <a:fontRef idx="minor">
+              <a:schemeClr val="tx1"/>
+            </a:fontRef>
+          </p:style>
+        </p:cxnSp>
+        <p:sp>
+          <p:nvSpPr>
+            <p:cNvPr id="42" name="テキスト ボックス 41">
+              <a:extLst>
+                <a:ext uri="{FF2B5EF4-FFF2-40B4-BE49-F238E27FC236}">
+                  <a16:creationId xmlns:a16="http://schemas.microsoft.com/office/drawing/2014/main" id="{939A37CE-EEB5-403C-A19A-4E1A17883915}"/>
+                </a:ext>
+              </a:extLst>
+            </p:cNvPr>
+            <p:cNvSpPr txBox="1"/>
+            <p:nvPr/>
+          </p:nvSpPr>
+          <p:spPr>
+            <a:xfrm>
+              <a:off x="2780510" y="3696424"/>
+              <a:ext cx="740524" cy="318183"/>
+            </a:xfrm>
+            <a:prstGeom prst="rect">
+              <a:avLst/>
+            </a:prstGeom>
+          </p:spPr>
+          <p:style>
+            <a:lnRef idx="2">
+              <a:schemeClr val="dk1"/>
+            </a:lnRef>
+            <a:fillRef idx="1">
+              <a:schemeClr val="lt1"/>
+            </a:fillRef>
+            <a:effectRef idx="0">
+              <a:schemeClr val="dk1"/>
+            </a:effectRef>
+            <a:fontRef idx="minor">
+              <a:schemeClr val="dk1"/>
+            </a:fontRef>
+          </p:style>
+          <p:txBody>
+            <a:bodyPr wrap="square" rtlCol="0" anchor="ctr">
+              <a:spAutoFit/>
+            </a:bodyPr>
+            <a:lstStyle/>
+            <a:p>
+              <a:pPr algn="ctr"/>
+              <a:r>
+                <a:rPr lang="ja-JP" altLang="en-US" sz="1100" dirty="0"/>
+                <a:t>コピー</a:t>
+              </a:r>
+              <a:endParaRPr kumimoji="1" lang="ja-JP" altLang="en-US" sz="1100" dirty="0"/>
+            </a:p>
+          </p:txBody>
+        </p:sp>
+        <p:sp>
+          <p:nvSpPr>
+            <p:cNvPr id="47" name="吹き出し: 四角形 46">
+              <a:extLst>
+                <a:ext uri="{FF2B5EF4-FFF2-40B4-BE49-F238E27FC236}">
+                  <a16:creationId xmlns:a16="http://schemas.microsoft.com/office/drawing/2014/main" id="{60464759-40BD-4A78-9E3E-3F98A41F7AD2}"/>
+                </a:ext>
+              </a:extLst>
+            </p:cNvPr>
+            <p:cNvSpPr/>
+            <p:nvPr/>
+          </p:nvSpPr>
+          <p:spPr>
+            <a:xfrm>
+              <a:off x="2850453" y="656873"/>
+              <a:ext cx="1402765" cy="369328"/>
+            </a:xfrm>
+            <a:prstGeom prst="wedgeRectCallout">
+              <a:avLst>
+                <a:gd name="adj1" fmla="val 47615"/>
+                <a:gd name="adj2" fmla="val 155703"/>
+              </a:avLst>
+            </a:prstGeom>
+          </p:spPr>
+          <p:style>
+            <a:lnRef idx="2">
+              <a:schemeClr val="dk1"/>
+            </a:lnRef>
+            <a:fillRef idx="1">
+              <a:schemeClr val="lt1"/>
+            </a:fillRef>
+            <a:effectRef idx="0">
+              <a:schemeClr val="dk1"/>
+            </a:effectRef>
+            <a:fontRef idx="minor">
+              <a:schemeClr val="dk1"/>
+            </a:fontRef>
+          </p:style>
+          <p:txBody>
+            <a:bodyPr rtlCol="0" anchor="ctr"/>
+            <a:lstStyle/>
+            <a:p>
+              <a:r>
+                <a:rPr kumimoji="1" lang="ja-JP" altLang="en-US" sz="1200" dirty="0"/>
+                <a:t>外部成果物の変更</a:t>
+              </a:r>
+            </a:p>
+          </p:txBody>
+        </p:sp>
+        <p:sp>
+          <p:nvSpPr>
+            <p:cNvPr id="50" name="楕円 49">
+              <a:extLst>
+                <a:ext uri="{FF2B5EF4-FFF2-40B4-BE49-F238E27FC236}">
+                  <a16:creationId xmlns:a16="http://schemas.microsoft.com/office/drawing/2014/main" id="{41CC6C29-0F5E-42F0-A9E7-D8F0B9DD5F6F}"/>
+                </a:ext>
+              </a:extLst>
+            </p:cNvPr>
+            <p:cNvSpPr/>
+            <p:nvPr/>
+          </p:nvSpPr>
+          <p:spPr>
+            <a:xfrm>
+              <a:off x="4909548" y="4103880"/>
+              <a:ext cx="415312" cy="428504"/>
+            </a:xfrm>
+            <a:prstGeom prst="ellipse">
+              <a:avLst/>
+            </a:prstGeom>
+          </p:spPr>
+          <p:style>
+            <a:lnRef idx="2">
+              <a:schemeClr val="accent4">
+                <a:shade val="50000"/>
+              </a:schemeClr>
+            </a:lnRef>
+            <a:fillRef idx="1">
+              <a:schemeClr val="accent4"/>
+            </a:fillRef>
+            <a:effectRef idx="0">
+              <a:schemeClr val="accent4"/>
+            </a:effectRef>
+            <a:fontRef idx="minor">
+              <a:schemeClr val="lt1"/>
+            </a:fontRef>
+          </p:style>
+          <p:txBody>
+            <a:bodyPr rtlCol="0" anchor="ctr"/>
+            <a:lstStyle/>
+            <a:p>
+              <a:pPr algn="ctr"/>
+              <a:r>
+                <a:rPr lang="en-US" altLang="ja-JP" sz="800" dirty="0">
+                  <a:latin typeface="+mn-ea"/>
+                </a:rPr>
+                <a:t>7</a:t>
+              </a:r>
+              <a:endParaRPr kumimoji="1" lang="ja-JP" altLang="en-US" sz="800" dirty="0">
+                <a:latin typeface="+mn-ea"/>
+              </a:endParaRPr>
+            </a:p>
+          </p:txBody>
+        </p:sp>
+        <p:sp>
+          <p:nvSpPr>
+            <p:cNvPr id="51" name="吹き出し: 四角形 50">
+              <a:extLst>
+                <a:ext uri="{FF2B5EF4-FFF2-40B4-BE49-F238E27FC236}">
+                  <a16:creationId xmlns:a16="http://schemas.microsoft.com/office/drawing/2014/main" id="{D7D91B94-205B-4101-8EF3-4B11FBE76DFC}"/>
+                </a:ext>
+              </a:extLst>
+            </p:cNvPr>
+            <p:cNvSpPr/>
+            <p:nvPr/>
+          </p:nvSpPr>
+          <p:spPr>
+            <a:xfrm>
+              <a:off x="1375520" y="4769845"/>
+              <a:ext cx="813731" cy="428504"/>
+            </a:xfrm>
+            <a:prstGeom prst="wedgeRectCallout">
+              <a:avLst>
+                <a:gd name="adj1" fmla="val 64398"/>
+                <a:gd name="adj2" fmla="val -117278"/>
+              </a:avLst>
+            </a:prstGeom>
+          </p:spPr>
+          <p:style>
+            <a:lnRef idx="2">
+              <a:schemeClr val="dk1"/>
+            </a:lnRef>
+            <a:fillRef idx="1">
+              <a:schemeClr val="lt1"/>
+            </a:fillRef>
+            <a:effectRef idx="0">
+              <a:schemeClr val="dk1"/>
+            </a:effectRef>
+            <a:fontRef idx="minor">
+              <a:schemeClr val="dk1"/>
+            </a:fontRef>
+          </p:style>
+          <p:txBody>
+            <a:bodyPr rtlCol="0" anchor="ctr"/>
+            <a:lstStyle/>
+            <a:p>
+              <a:r>
+                <a:rPr kumimoji="1" lang="ja-JP" altLang="en-US" sz="1200" dirty="0"/>
+                <a:t>初回取込</a:t>
+              </a:r>
+            </a:p>
+          </p:txBody>
+        </p:sp>
+        <p:sp>
+          <p:nvSpPr>
+            <p:cNvPr id="52" name="吹き出し: 四角形 51">
+              <a:extLst>
+                <a:ext uri="{FF2B5EF4-FFF2-40B4-BE49-F238E27FC236}">
+                  <a16:creationId xmlns:a16="http://schemas.microsoft.com/office/drawing/2014/main" id="{3989DDE5-B994-4595-BE08-B0BFF1AF535C}"/>
+                </a:ext>
+              </a:extLst>
+            </p:cNvPr>
+            <p:cNvSpPr/>
+            <p:nvPr/>
+          </p:nvSpPr>
+          <p:spPr>
+            <a:xfrm>
+              <a:off x="3885408" y="4775339"/>
+              <a:ext cx="905240" cy="428504"/>
+            </a:xfrm>
+            <a:prstGeom prst="wedgeRectCallout">
+              <a:avLst>
+                <a:gd name="adj1" fmla="val 64233"/>
+                <a:gd name="adj2" fmla="val -107490"/>
+              </a:avLst>
+            </a:prstGeom>
+          </p:spPr>
+          <p:style>
+            <a:lnRef idx="2">
+              <a:schemeClr val="dk1"/>
+            </a:lnRef>
+            <a:fillRef idx="1">
+              <a:schemeClr val="lt1"/>
+            </a:fillRef>
+            <a:effectRef idx="0">
+              <a:schemeClr val="dk1"/>
+            </a:effectRef>
+            <a:fontRef idx="minor">
+              <a:schemeClr val="dk1"/>
+            </a:fontRef>
+          </p:style>
+          <p:txBody>
+            <a:bodyPr rtlCol="0" anchor="ctr"/>
+            <a:lstStyle/>
+            <a:p>
+              <a:r>
+                <a:rPr kumimoji="1" lang="en-US" altLang="ja-JP" sz="1200" dirty="0"/>
+                <a:t>2</a:t>
+              </a:r>
+              <a:r>
+                <a:rPr kumimoji="1" lang="ja-JP" altLang="en-US" sz="1200" dirty="0"/>
+                <a:t>回目取込</a:t>
+              </a:r>
+            </a:p>
+          </p:txBody>
+        </p:sp>
+        <p:cxnSp>
+          <p:nvCxnSpPr>
+            <p:cNvPr id="53" name="直線矢印コネクタ 52">
+              <a:extLst>
+                <a:ext uri="{FF2B5EF4-FFF2-40B4-BE49-F238E27FC236}">
+                  <a16:creationId xmlns:a16="http://schemas.microsoft.com/office/drawing/2014/main" id="{2273317D-5284-4304-8B16-FE06E5AFABBC}"/>
+                </a:ext>
+              </a:extLst>
+            </p:cNvPr>
+            <p:cNvCxnSpPr>
+              <a:cxnSpLocks/>
+              <a:stCxn id="50" idx="0"/>
+              <a:endCxn id="58" idx="3"/>
+            </p:cNvCxnSpPr>
+            <p:nvPr/>
+          </p:nvCxnSpPr>
+          <p:spPr>
+            <a:xfrm flipV="1">
+              <a:off x="5117204" y="3357409"/>
+              <a:ext cx="287980" cy="746471"/>
+            </a:xfrm>
+            <a:prstGeom prst="straightConnector1">
+              <a:avLst/>
+            </a:prstGeom>
+            <a:ln>
+              <a:tailEnd type="triangle"/>
+            </a:ln>
+          </p:spPr>
+          <p:style>
+            <a:lnRef idx="1">
+              <a:schemeClr val="accent1"/>
+            </a:lnRef>
+            <a:fillRef idx="0">
+              <a:schemeClr val="accent1"/>
+            </a:fillRef>
+            <a:effectRef idx="0">
+              <a:schemeClr val="accent1"/>
+            </a:effectRef>
+            <a:fontRef idx="minor">
+              <a:schemeClr val="tx1"/>
+            </a:fontRef>
+          </p:style>
+        </p:cxnSp>
+        <p:sp>
+          <p:nvSpPr>
+            <p:cNvPr id="54" name="テキスト ボックス 53">
+              <a:extLst>
+                <a:ext uri="{FF2B5EF4-FFF2-40B4-BE49-F238E27FC236}">
+                  <a16:creationId xmlns:a16="http://schemas.microsoft.com/office/drawing/2014/main" id="{F0AF8D10-CD77-4CD0-8FD6-5B1703D4E1BC}"/>
+                </a:ext>
+              </a:extLst>
+            </p:cNvPr>
+            <p:cNvSpPr txBox="1"/>
+            <p:nvPr/>
+          </p:nvSpPr>
+          <p:spPr>
+            <a:xfrm>
+              <a:off x="4888109" y="3701410"/>
+              <a:ext cx="740524" cy="318183"/>
+            </a:xfrm>
+            <a:prstGeom prst="rect">
+              <a:avLst/>
+            </a:prstGeom>
+          </p:spPr>
+          <p:style>
+            <a:lnRef idx="2">
+              <a:schemeClr val="dk1"/>
+            </a:lnRef>
+            <a:fillRef idx="1">
+              <a:schemeClr val="lt1"/>
+            </a:fillRef>
+            <a:effectRef idx="0">
+              <a:schemeClr val="dk1"/>
+            </a:effectRef>
+            <a:fontRef idx="minor">
+              <a:schemeClr val="dk1"/>
+            </a:fontRef>
+          </p:style>
+          <p:txBody>
+            <a:bodyPr wrap="square" rtlCol="0" anchor="ctr">
+              <a:spAutoFit/>
+            </a:bodyPr>
+            <a:lstStyle/>
+            <a:p>
+              <a:pPr algn="ctr"/>
+              <a:r>
+                <a:rPr lang="ja-JP" altLang="en-US" sz="1100" dirty="0"/>
+                <a:t>コピー</a:t>
+              </a:r>
+              <a:endParaRPr kumimoji="1" lang="ja-JP" altLang="en-US" sz="1100" dirty="0"/>
+            </a:p>
+          </p:txBody>
+        </p:sp>
+        <p:sp>
+          <p:nvSpPr>
+            <p:cNvPr id="58" name="楕円 57">
+              <a:extLst>
+                <a:ext uri="{FF2B5EF4-FFF2-40B4-BE49-F238E27FC236}">
+                  <a16:creationId xmlns:a16="http://schemas.microsoft.com/office/drawing/2014/main" id="{4292C369-2927-40E1-96C7-E85B612C3C54}"/>
+                </a:ext>
+              </a:extLst>
+            </p:cNvPr>
+            <p:cNvSpPr/>
+            <p:nvPr/>
+          </p:nvSpPr>
+          <p:spPr>
+            <a:xfrm>
+              <a:off x="5344363" y="2991658"/>
+              <a:ext cx="415312" cy="428504"/>
+            </a:xfrm>
+            <a:prstGeom prst="ellipse">
+              <a:avLst/>
+            </a:prstGeom>
+            <a:solidFill>
+              <a:schemeClr val="tx1">
+                <a:lumMod val="50000"/>
+                <a:lumOff val="50000"/>
+              </a:schemeClr>
+            </a:solidFill>
+          </p:spPr>
+          <p:style>
+            <a:lnRef idx="2">
+              <a:schemeClr val="dk1">
+                <a:shade val="50000"/>
+              </a:schemeClr>
+            </a:lnRef>
+            <a:fillRef idx="1">
+              <a:schemeClr val="dk1"/>
+            </a:fillRef>
+            <a:effectRef idx="0">
+              <a:schemeClr val="dk1"/>
+            </a:effectRef>
+            <a:fontRef idx="minor">
+              <a:schemeClr val="lt1"/>
+            </a:fontRef>
+          </p:style>
+          <p:txBody>
+            <a:bodyPr rtlCol="0" anchor="ctr"/>
+            <a:lstStyle/>
+            <a:p>
+              <a:pPr algn="ctr"/>
+              <a:r>
+                <a:rPr kumimoji="1" lang="en-US" altLang="ja-JP" sz="800" dirty="0">
+                  <a:latin typeface="+mn-ea"/>
+                </a:rPr>
+                <a:t>8</a:t>
+              </a:r>
+              <a:endParaRPr kumimoji="1" lang="ja-JP" altLang="en-US" sz="800" dirty="0">
+                <a:latin typeface="+mn-ea"/>
+              </a:endParaRPr>
+            </a:p>
+          </p:txBody>
+        </p:sp>
+        <p:sp>
+          <p:nvSpPr>
+            <p:cNvPr id="59" name="テキスト ボックス 58">
+              <a:extLst>
+                <a:ext uri="{FF2B5EF4-FFF2-40B4-BE49-F238E27FC236}">
+                  <a16:creationId xmlns:a16="http://schemas.microsoft.com/office/drawing/2014/main" id="{427BBC08-2307-48A2-A4DA-0261726DE35B}"/>
+                </a:ext>
+              </a:extLst>
+            </p:cNvPr>
+            <p:cNvSpPr txBox="1"/>
+            <p:nvPr/>
+          </p:nvSpPr>
+          <p:spPr>
+            <a:xfrm>
+              <a:off x="5646472" y="3367305"/>
+              <a:ext cx="800219" cy="369332"/>
+            </a:xfrm>
+            <a:prstGeom prst="rect">
+              <a:avLst/>
+            </a:prstGeom>
+            <a:noFill/>
+          </p:spPr>
+          <p:txBody>
+            <a:bodyPr wrap="none" rtlCol="0">
+              <a:spAutoFit/>
+            </a:bodyPr>
+            <a:lstStyle/>
+            <a:p>
+              <a:r>
+                <a:rPr kumimoji="1" lang="en-US" altLang="ja-JP" dirty="0"/>
+                <a:t>v2</a:t>
+              </a:r>
+              <a:r>
+                <a:rPr kumimoji="1" lang="ja-JP" altLang="en-US" dirty="0"/>
+                <a:t>タグ</a:t>
+              </a:r>
+            </a:p>
+          </p:txBody>
+        </p:sp>
+        <p:sp>
+          <p:nvSpPr>
+            <p:cNvPr id="61" name="楕円 60">
+              <a:extLst>
+                <a:ext uri="{FF2B5EF4-FFF2-40B4-BE49-F238E27FC236}">
+                  <a16:creationId xmlns:a16="http://schemas.microsoft.com/office/drawing/2014/main" id="{AE2089EA-4639-4F0A-ACEA-B5AB70671DF4}"/>
+                </a:ext>
+              </a:extLst>
+            </p:cNvPr>
+            <p:cNvSpPr/>
+            <p:nvPr/>
+          </p:nvSpPr>
+          <p:spPr>
+            <a:xfrm>
+              <a:off x="5971578" y="1404613"/>
+              <a:ext cx="415312" cy="428504"/>
+            </a:xfrm>
+            <a:prstGeom prst="ellipse">
+              <a:avLst/>
+            </a:prstGeom>
+          </p:spPr>
+          <p:style>
+            <a:lnRef idx="2">
+              <a:schemeClr val="accent1">
+                <a:shade val="50000"/>
+              </a:schemeClr>
+            </a:lnRef>
+            <a:fillRef idx="1">
+              <a:schemeClr val="accent1"/>
+            </a:fillRef>
+            <a:effectRef idx="0">
+              <a:schemeClr val="accent1"/>
+            </a:effectRef>
+            <a:fontRef idx="minor">
+              <a:schemeClr val="lt1"/>
+            </a:fontRef>
+          </p:style>
+          <p:txBody>
+            <a:bodyPr rtlCol="0" anchor="ctr"/>
+            <a:lstStyle/>
+            <a:p>
+              <a:pPr algn="ctr"/>
+              <a:r>
+                <a:rPr kumimoji="1" lang="en-US" altLang="ja-JP" sz="800" dirty="0">
+                  <a:latin typeface="+mn-ea"/>
+                </a:rPr>
+                <a:t>9</a:t>
+              </a:r>
+              <a:endParaRPr kumimoji="1" lang="ja-JP" altLang="en-US" sz="800" dirty="0">
+                <a:latin typeface="+mn-ea"/>
+              </a:endParaRPr>
+            </a:p>
+          </p:txBody>
+        </p:sp>
+        <p:sp>
+          <p:nvSpPr>
+            <p:cNvPr id="66" name="矢印: 右 65">
+              <a:extLst>
+                <a:ext uri="{FF2B5EF4-FFF2-40B4-BE49-F238E27FC236}">
+                  <a16:creationId xmlns:a16="http://schemas.microsoft.com/office/drawing/2014/main" id="{FEE6DACA-7055-494D-AA4C-0C751201D3E7}"/>
+                </a:ext>
+              </a:extLst>
+            </p:cNvPr>
+            <p:cNvSpPr/>
+            <p:nvPr/>
+          </p:nvSpPr>
+          <p:spPr>
+            <a:xfrm>
+              <a:off x="3340313" y="2755646"/>
+              <a:ext cx="2211706" cy="116331"/>
+            </a:xfrm>
+            <a:prstGeom prst="rightArrow">
+              <a:avLst/>
+            </a:prstGeom>
+          </p:spPr>
+          <p:style>
+            <a:lnRef idx="2">
+              <a:schemeClr val="accent1">
+                <a:shade val="50000"/>
+              </a:schemeClr>
+            </a:lnRef>
+            <a:fillRef idx="1">
+              <a:schemeClr val="accent1"/>
+            </a:fillRef>
+            <a:effectRef idx="0">
+              <a:schemeClr val="accent1"/>
+            </a:effectRef>
+            <a:fontRef idx="minor">
+              <a:schemeClr val="lt1"/>
+            </a:fontRef>
+          </p:style>
+          <p:txBody>
+            <a:bodyPr rtlCol="0" anchor="ctr"/>
+            <a:lstStyle/>
+            <a:p>
+              <a:pPr algn="ctr"/>
+              <a:endParaRPr kumimoji="1" lang="ja-JP" altLang="en-US"/>
+            </a:p>
+          </p:txBody>
+        </p:sp>
+        <p:cxnSp>
+          <p:nvCxnSpPr>
+            <p:cNvPr id="79" name="直線矢印コネクタ 78">
+              <a:extLst>
+                <a:ext uri="{FF2B5EF4-FFF2-40B4-BE49-F238E27FC236}">
+                  <a16:creationId xmlns:a16="http://schemas.microsoft.com/office/drawing/2014/main" id="{BD83FFFF-3D67-4BD5-9470-F306B056BA51}"/>
+                </a:ext>
+              </a:extLst>
+            </p:cNvPr>
+            <p:cNvCxnSpPr>
+              <a:cxnSpLocks/>
+              <a:endCxn id="61" idx="3"/>
+            </p:cNvCxnSpPr>
+            <p:nvPr/>
+          </p:nvCxnSpPr>
+          <p:spPr>
+            <a:xfrm flipV="1">
+              <a:off x="4385562" y="1770364"/>
+              <a:ext cx="1646837" cy="1007043"/>
+            </a:xfrm>
+            <a:prstGeom prst="straightConnector1">
+              <a:avLst/>
+            </a:prstGeom>
+            <a:ln>
+              <a:tailEnd type="triangle"/>
+            </a:ln>
+          </p:spPr>
+          <p:style>
+            <a:lnRef idx="1">
+              <a:schemeClr val="accent1"/>
+            </a:lnRef>
+            <a:fillRef idx="0">
+              <a:schemeClr val="accent1"/>
+            </a:fillRef>
+            <a:effectRef idx="0">
+              <a:schemeClr val="accent1"/>
+            </a:effectRef>
+            <a:fontRef idx="minor">
+              <a:schemeClr val="tx1"/>
+            </a:fontRef>
+          </p:style>
+        </p:cxnSp>
+        <p:sp>
+          <p:nvSpPr>
+            <p:cNvPr id="80" name="テキスト ボックス 79">
+              <a:extLst>
+                <a:ext uri="{FF2B5EF4-FFF2-40B4-BE49-F238E27FC236}">
+                  <a16:creationId xmlns:a16="http://schemas.microsoft.com/office/drawing/2014/main" id="{6420A429-DF6C-4FEC-82F7-9F3375BFBC4B}"/>
+                </a:ext>
+              </a:extLst>
+            </p:cNvPr>
+            <p:cNvSpPr txBox="1"/>
+            <p:nvPr/>
+          </p:nvSpPr>
+          <p:spPr>
+            <a:xfrm>
+              <a:off x="4699312" y="2150258"/>
+              <a:ext cx="1009278" cy="261610"/>
+            </a:xfrm>
+            <a:prstGeom prst="rect">
+              <a:avLst/>
+            </a:prstGeom>
+          </p:spPr>
+          <p:style>
+            <a:lnRef idx="2">
+              <a:schemeClr val="dk1"/>
+            </a:lnRef>
+            <a:fillRef idx="1">
+              <a:schemeClr val="lt1"/>
+            </a:fillRef>
+            <a:effectRef idx="0">
+              <a:schemeClr val="dk1"/>
+            </a:effectRef>
+            <a:fontRef idx="minor">
+              <a:schemeClr val="dk1"/>
+            </a:fontRef>
+          </p:style>
+          <p:txBody>
+            <a:bodyPr wrap="square" rtlCol="0" anchor="ctr">
+              <a:spAutoFit/>
+            </a:bodyPr>
+            <a:lstStyle/>
+            <a:p>
+              <a:pPr algn="ctr"/>
+              <a:r>
+                <a:rPr lang="ja-JP" altLang="en-US" sz="1100" dirty="0"/>
+                <a:t>差分マージ</a:t>
+              </a:r>
+              <a:endParaRPr kumimoji="1" lang="ja-JP" altLang="en-US" sz="1100" dirty="0"/>
+            </a:p>
+          </p:txBody>
+        </p:sp>
+      </p:grpSp>
+    </p:spTree>
+    <p:extLst>
+      <p:ext uri="{BB962C8B-B14F-4D97-AF65-F5344CB8AC3E}">
+        <p14:creationId xmlns:p14="http://schemas.microsoft.com/office/powerpoint/2010/main" val="2314740548"/>
+      </p:ext>
+    </p:extLst>
+  </p:cSld>
+  <p:clrMapOvr>
+    <a:masterClrMapping/>
+  </p:clrMapOvr>
+</p:sld>
+</file>
+
 <file path=ppt/theme/theme1.xml><?xml version="1.0" encoding="utf-8"?>
 <a:theme xmlns:a="http://schemas.openxmlformats.org/drawingml/2006/main" name="Office テーマ">
   <a:themeElements>
